--- a/01.Short Fundamentals/20.DICTIONARIES, LAMBDA EXPRESSIONS AND LINQ/08. Programming-Fundamentals-Dictionaries-Lambda-LINQ.pptx
+++ b/01.Short Fundamentals/20.DICTIONARIES, LAMBDA EXPRESSIONS AND LINQ/08. Programming-Fundamentals-Dictionaries-Lambda-LINQ.pptx
@@ -5,10 +5,10 @@
     <p:sldMasterId id="2147483660" r:id="rId2"/>
   </p:sldMasterIdLst>
   <p:notesMasterIdLst>
-    <p:notesMasterId r:id="rId42"/>
+    <p:notesMasterId r:id="rId41"/>
   </p:notesMasterIdLst>
   <p:handoutMasterIdLst>
-    <p:handoutMasterId r:id="rId43"/>
+    <p:handoutMasterId r:id="rId42"/>
   </p:handoutMasterIdLst>
   <p:sldIdLst>
     <p:sldId id="395" r:id="rId3"/>
@@ -27,29 +27,28 @@
     <p:sldId id="546" r:id="rId16"/>
     <p:sldId id="569" r:id="rId17"/>
     <p:sldId id="570" r:id="rId18"/>
-    <p:sldId id="455" r:id="rId19"/>
-    <p:sldId id="589" r:id="rId20"/>
-    <p:sldId id="586" r:id="rId21"/>
-    <p:sldId id="587" r:id="rId22"/>
-    <p:sldId id="590" r:id="rId23"/>
-    <p:sldId id="604" r:id="rId24"/>
-    <p:sldId id="592" r:id="rId25"/>
-    <p:sldId id="593" r:id="rId26"/>
-    <p:sldId id="594" r:id="rId27"/>
-    <p:sldId id="574" r:id="rId28"/>
-    <p:sldId id="595" r:id="rId29"/>
-    <p:sldId id="596" r:id="rId30"/>
-    <p:sldId id="605" r:id="rId31"/>
-    <p:sldId id="606" r:id="rId32"/>
-    <p:sldId id="607" r:id="rId33"/>
-    <p:sldId id="608" r:id="rId34"/>
-    <p:sldId id="576" r:id="rId35"/>
-    <p:sldId id="577" r:id="rId36"/>
-    <p:sldId id="609" r:id="rId37"/>
-    <p:sldId id="610" r:id="rId38"/>
-    <p:sldId id="572" r:id="rId39"/>
-    <p:sldId id="573" r:id="rId40"/>
-    <p:sldId id="421" r:id="rId41"/>
+    <p:sldId id="589" r:id="rId19"/>
+    <p:sldId id="586" r:id="rId20"/>
+    <p:sldId id="587" r:id="rId21"/>
+    <p:sldId id="590" r:id="rId22"/>
+    <p:sldId id="604" r:id="rId23"/>
+    <p:sldId id="592" r:id="rId24"/>
+    <p:sldId id="593" r:id="rId25"/>
+    <p:sldId id="594" r:id="rId26"/>
+    <p:sldId id="574" r:id="rId27"/>
+    <p:sldId id="595" r:id="rId28"/>
+    <p:sldId id="596" r:id="rId29"/>
+    <p:sldId id="605" r:id="rId30"/>
+    <p:sldId id="606" r:id="rId31"/>
+    <p:sldId id="607" r:id="rId32"/>
+    <p:sldId id="608" r:id="rId33"/>
+    <p:sldId id="576" r:id="rId34"/>
+    <p:sldId id="577" r:id="rId35"/>
+    <p:sldId id="609" r:id="rId36"/>
+    <p:sldId id="610" r:id="rId37"/>
+    <p:sldId id="572" r:id="rId38"/>
+    <p:sldId id="573" r:id="rId39"/>
+    <p:sldId id="421" r:id="rId40"/>
   </p:sldIdLst>
   <p:sldSz cx="12188825" cy="6858000"/>
   <p:notesSz cx="6858000" cy="9144000"/>
@@ -177,7 +176,6 @@
         </p14:section>
         <p14:section name="LINQ" id="{725F0D68-7844-478C-AC48-EF4B03D2AC15}">
           <p14:sldIdLst>
-            <p14:sldId id="455"/>
             <p14:sldId id="589"/>
             <p14:sldId id="586"/>
             <p14:sldId id="587"/>
@@ -12642,6 +12640,13 @@
   <p:clrMapOvr>
     <a:masterClrMapping/>
   </p:clrMapOvr>
+  <p:timing>
+    <p:tnLst>
+      <p:par>
+        <p:cTn id="1" dur="indefinite" restart="never" nodeType="tmRoot"/>
+      </p:par>
+    </p:tnLst>
+  </p:timing>
 </p:sld>
 </file>
 
@@ -16133,6 +16138,13 @@
   <p:clrMapOvr>
     <a:masterClrMapping/>
   </p:clrMapOvr>
+  <p:timing>
+    <p:tnLst>
+      <p:par>
+        <p:cTn id="1" dur="indefinite" restart="never" nodeType="tmRoot"/>
+      </p:par>
+    </p:tnLst>
+  </p:timing>
 </p:sld>
 </file>
 
@@ -17272,439 +17284,6 @@
       </p:grpSpPr>
       <p:sp>
         <p:nvSpPr>
-          <p:cNvPr id="5" name="Title 4"/>
-          <p:cNvSpPr>
-            <a:spLocks noGrp="1"/>
-          </p:cNvSpPr>
-          <p:nvPr>
-            <p:ph type="title"/>
-          </p:nvPr>
-        </p:nvSpPr>
-        <p:spPr>
-          <a:xfrm>
-            <a:off x="989012" y="4495800"/>
-            <a:ext cx="10263928" cy="820600"/>
-          </a:xfrm>
-        </p:spPr>
-        <p:txBody>
-          <a:bodyPr/>
-          <a:lstStyle/>
-          <a:p>
-            <a:r>
-              <a:rPr lang="en-US" dirty="0"/>
-              <a:t>Lambda Functions and LINQ</a:t>
-            </a:r>
-          </a:p>
-        </p:txBody>
-      </p:sp>
-      <p:sp>
-        <p:nvSpPr>
-          <p:cNvPr id="6" name="Text Placeholder 5"/>
-          <p:cNvSpPr>
-            <a:spLocks noGrp="1"/>
-          </p:cNvSpPr>
-          <p:nvPr>
-            <p:ph type="body" idx="1"/>
-          </p:nvPr>
-        </p:nvSpPr>
-        <p:spPr>
-          <a:xfrm>
-            <a:off x="989012" y="5462336"/>
-            <a:ext cx="10263928" cy="688256"/>
-          </a:xfrm>
-        </p:spPr>
-        <p:txBody>
-          <a:bodyPr/>
-          <a:lstStyle/>
-          <a:p>
-            <a:pPr lvl="0"/>
-            <a:r>
-              <a:rPr lang="en-US" dirty="0"/>
-              <a:t>LINQ in Action: Filtering, Mapping, Ordering</a:t>
-            </a:r>
-          </a:p>
-        </p:txBody>
-      </p:sp>
-      <p:sp>
-        <p:nvSpPr>
-          <p:cNvPr id="7" name="TextBox 6"/>
-          <p:cNvSpPr txBox="1"/>
-          <p:nvPr/>
-        </p:nvSpPr>
-        <p:spPr>
-          <a:xfrm rot="21121167">
-            <a:off x="3841142" y="2101011"/>
-            <a:ext cx="4198585" cy="1862048"/>
-          </a:xfrm>
-          <a:prstGeom prst="rect">
-            <a:avLst/>
-          </a:prstGeom>
-          <a:noFill/>
-        </p:spPr>
-        <p:txBody>
-          <a:bodyPr wrap="none" rtlCol="0">
-            <a:spAutoFit/>
-            <a:scene3d>
-              <a:camera prst="orthographicFront"/>
-              <a:lightRig rig="glow" dir="tl">
-                <a:rot lat="0" lon="0" rev="5400000"/>
-              </a:lightRig>
-            </a:scene3d>
-            <a:sp3d contourW="12700">
-              <a:bevelT w="25400" h="25400"/>
-              <a:contourClr>
-                <a:schemeClr val="accent6">
-                  <a:shade val="73000"/>
-                </a:schemeClr>
-              </a:contourClr>
-            </a:sp3d>
-          </a:bodyPr>
-          <a:lstStyle/>
-          <a:p>
-            <a:r>
-              <a:rPr lang="en-US" sz="11500" b="1" dirty="0">
-                <a:ln w="76200">
-                  <a:solidFill>
-                    <a:schemeClr val="accent5">
-                      <a:lumMod val="20000"/>
-                      <a:lumOff val="80000"/>
-                    </a:schemeClr>
-                  </a:solidFill>
-                </a:ln>
-                <a:gradFill>
-                  <a:gsLst>
-                    <a:gs pos="0">
-                      <a:schemeClr val="accent6">
-                        <a:tint val="90000"/>
-                        <a:satMod val="120000"/>
-                      </a:schemeClr>
-                    </a:gs>
-                    <a:gs pos="25000">
-                      <a:schemeClr val="accent6">
-                        <a:tint val="93000"/>
-                        <a:satMod val="120000"/>
-                      </a:schemeClr>
-                    </a:gs>
-                    <a:gs pos="50000">
-                      <a:schemeClr val="accent6">
-                        <a:shade val="89000"/>
-                        <a:satMod val="110000"/>
-                      </a:schemeClr>
-                    </a:gs>
-                    <a:gs pos="75000">
-                      <a:schemeClr val="accent6">
-                        <a:tint val="93000"/>
-                        <a:satMod val="120000"/>
-                      </a:schemeClr>
-                    </a:gs>
-                    <a:gs pos="100000">
-                      <a:schemeClr val="accent6">
-                        <a:tint val="90000"/>
-                        <a:satMod val="120000"/>
-                      </a:schemeClr>
-                    </a:gs>
-                  </a:gsLst>
-                  <a:lin ang="5400000"/>
-                </a:gradFill>
-                <a:effectLst>
-                  <a:glow rad="139700">
-                    <a:schemeClr val="accent3">
-                      <a:satMod val="175000"/>
-                      <a:alpha val="40000"/>
-                    </a:schemeClr>
-                  </a:glow>
-                  <a:outerShdw blurRad="80000" dist="40000" dir="5040000" algn="tl">
-                    <a:srgbClr val="000000">
-                      <a:alpha val="30000"/>
-                    </a:srgbClr>
-                  </a:outerShdw>
-                </a:effectLst>
-                <a:latin typeface="Arial Black" pitchFamily="34" charset="0"/>
-              </a:rPr>
-              <a:t>LINQ</a:t>
-            </a:r>
-          </a:p>
-        </p:txBody>
-      </p:sp>
-      <p:pic>
-        <p:nvPicPr>
-          <p:cNvPr id="2" name="Picture 1"/>
-          <p:cNvPicPr>
-            <a:picLocks noChangeAspect="1"/>
-          </p:cNvPicPr>
-          <p:nvPr/>
-        </p:nvPicPr>
-        <p:blipFill>
-          <a:blip r:embed="rId2"/>
-          <a:stretch>
-            <a:fillRect/>
-          </a:stretch>
-        </p:blipFill>
-        <p:spPr>
-          <a:xfrm rot="21404558">
-            <a:off x="1343792" y="1573980"/>
-            <a:ext cx="1810668" cy="1810668"/>
-          </a:xfrm>
-          <a:prstGeom prst="rect">
-            <a:avLst/>
-          </a:prstGeom>
-        </p:spPr>
-      </p:pic>
-      <p:sp>
-        <p:nvSpPr>
-          <p:cNvPr id="9" name="TextBox 8"/>
-          <p:cNvSpPr txBox="1"/>
-          <p:nvPr/>
-        </p:nvSpPr>
-        <p:spPr>
-          <a:xfrm rot="835991">
-            <a:off x="8269860" y="1681857"/>
-            <a:ext cx="2492990" cy="769441"/>
-          </a:xfrm>
-          <a:prstGeom prst="rect">
-            <a:avLst/>
-          </a:prstGeom>
-          <a:noFill/>
-        </p:spPr>
-        <p:txBody>
-          <a:bodyPr wrap="none" rtlCol="0">
-            <a:spAutoFit/>
-            <a:scene3d>
-              <a:camera prst="orthographicFront"/>
-              <a:lightRig rig="glow" dir="tl">
-                <a:rot lat="0" lon="0" rev="5400000"/>
-              </a:lightRig>
-            </a:scene3d>
-            <a:sp3d contourW="12700">
-              <a:bevelT w="25400" h="25400"/>
-              <a:contourClr>
-                <a:schemeClr val="accent6">
-                  <a:shade val="73000"/>
-                </a:schemeClr>
-              </a:contourClr>
-            </a:sp3d>
-          </a:bodyPr>
-          <a:lstStyle/>
-          <a:p>
-            <a:r>
-              <a:rPr lang="en-US" sz="4400" b="1" dirty="0">
-                <a:ln w="19050">
-                  <a:solidFill>
-                    <a:schemeClr val="accent5">
-                      <a:lumMod val="20000"/>
-                      <a:lumOff val="80000"/>
-                    </a:schemeClr>
-                  </a:solidFill>
-                </a:ln>
-                <a:gradFill>
-                  <a:gsLst>
-                    <a:gs pos="0">
-                      <a:schemeClr val="accent6">
-                        <a:tint val="90000"/>
-                        <a:satMod val="120000"/>
-                      </a:schemeClr>
-                    </a:gs>
-                    <a:gs pos="25000">
-                      <a:schemeClr val="accent6">
-                        <a:tint val="93000"/>
-                        <a:satMod val="120000"/>
-                      </a:schemeClr>
-                    </a:gs>
-                    <a:gs pos="50000">
-                      <a:schemeClr val="accent6">
-                        <a:shade val="89000"/>
-                        <a:satMod val="110000"/>
-                      </a:schemeClr>
-                    </a:gs>
-                    <a:gs pos="75000">
-                      <a:schemeClr val="accent6">
-                        <a:tint val="93000"/>
-                        <a:satMod val="120000"/>
-                      </a:schemeClr>
-                    </a:gs>
-                    <a:gs pos="100000">
-                      <a:schemeClr val="accent6">
-                        <a:tint val="90000"/>
-                        <a:satMod val="120000"/>
-                      </a:schemeClr>
-                    </a:gs>
-                  </a:gsLst>
-                  <a:lin ang="5400000"/>
-                </a:gradFill>
-                <a:effectLst>
-                  <a:glow rad="139700">
-                    <a:schemeClr val="accent3">
-                      <a:satMod val="175000"/>
-                      <a:alpha val="40000"/>
-                    </a:schemeClr>
-                  </a:glow>
-                  <a:outerShdw blurRad="80000" dist="40000" dir="5040000" algn="tl">
-                    <a:srgbClr val="000000">
-                      <a:alpha val="30000"/>
-                    </a:srgbClr>
-                  </a:outerShdw>
-                </a:effectLst>
-                <a:latin typeface="Arial Black" pitchFamily="34" charset="0"/>
-              </a:rPr>
-              <a:t>f(x) </a:t>
-            </a:r>
-            <a:r>
-              <a:rPr lang="en-US" sz="4400" b="1" dirty="0">
-                <a:ln w="19050">
-                  <a:solidFill>
-                    <a:schemeClr val="accent5">
-                      <a:lumMod val="20000"/>
-                      <a:lumOff val="80000"/>
-                    </a:schemeClr>
-                  </a:solidFill>
-                </a:ln>
-                <a:gradFill>
-                  <a:gsLst>
-                    <a:gs pos="0">
-                      <a:schemeClr val="accent6">
-                        <a:tint val="90000"/>
-                        <a:satMod val="120000"/>
-                      </a:schemeClr>
-                    </a:gs>
-                    <a:gs pos="25000">
-                      <a:schemeClr val="accent6">
-                        <a:tint val="93000"/>
-                        <a:satMod val="120000"/>
-                      </a:schemeClr>
-                    </a:gs>
-                    <a:gs pos="50000">
-                      <a:schemeClr val="accent6">
-                        <a:shade val="89000"/>
-                        <a:satMod val="110000"/>
-                      </a:schemeClr>
-                    </a:gs>
-                    <a:gs pos="75000">
-                      <a:schemeClr val="accent6">
-                        <a:tint val="93000"/>
-                        <a:satMod val="120000"/>
-                      </a:schemeClr>
-                    </a:gs>
-                    <a:gs pos="100000">
-                      <a:schemeClr val="accent6">
-                        <a:tint val="90000"/>
-                        <a:satMod val="120000"/>
-                      </a:schemeClr>
-                    </a:gs>
-                  </a:gsLst>
-                  <a:lin ang="5400000"/>
-                </a:gradFill>
-                <a:effectLst>
-                  <a:glow rad="139700">
-                    <a:schemeClr val="accent3">
-                      <a:satMod val="175000"/>
-                      <a:alpha val="40000"/>
-                    </a:schemeClr>
-                  </a:glow>
-                  <a:outerShdw blurRad="80000" dist="40000" dir="5040000" algn="tl">
-                    <a:srgbClr val="000000">
-                      <a:alpha val="30000"/>
-                    </a:srgbClr>
-                  </a:outerShdw>
-                </a:effectLst>
-                <a:latin typeface="Arial Black" pitchFamily="34" charset="0"/>
-                <a:sym typeface="Wingdings" panose="05000000000000000000" pitchFamily="2" charset="2"/>
-              </a:rPr>
-              <a:t> y</a:t>
-            </a:r>
-            <a:endParaRPr lang="en-US" sz="4400" b="1" dirty="0">
-              <a:ln w="19050">
-                <a:solidFill>
-                  <a:schemeClr val="accent5">
-                    <a:lumMod val="20000"/>
-                    <a:lumOff val="80000"/>
-                  </a:schemeClr>
-                </a:solidFill>
-              </a:ln>
-              <a:gradFill>
-                <a:gsLst>
-                  <a:gs pos="0">
-                    <a:schemeClr val="accent6">
-                      <a:tint val="90000"/>
-                      <a:satMod val="120000"/>
-                    </a:schemeClr>
-                  </a:gs>
-                  <a:gs pos="25000">
-                    <a:schemeClr val="accent6">
-                      <a:tint val="93000"/>
-                      <a:satMod val="120000"/>
-                    </a:schemeClr>
-                  </a:gs>
-                  <a:gs pos="50000">
-                    <a:schemeClr val="accent6">
-                      <a:shade val="89000"/>
-                      <a:satMod val="110000"/>
-                    </a:schemeClr>
-                  </a:gs>
-                  <a:gs pos="75000">
-                    <a:schemeClr val="accent6">
-                      <a:tint val="93000"/>
-                      <a:satMod val="120000"/>
-                    </a:schemeClr>
-                  </a:gs>
-                  <a:gs pos="100000">
-                    <a:schemeClr val="accent6">
-                      <a:tint val="90000"/>
-                      <a:satMod val="120000"/>
-                    </a:schemeClr>
-                  </a:gs>
-                </a:gsLst>
-                <a:lin ang="5400000"/>
-              </a:gradFill>
-              <a:effectLst>
-                <a:glow rad="139700">
-                  <a:schemeClr val="accent3">
-                    <a:satMod val="175000"/>
-                    <a:alpha val="40000"/>
-                  </a:schemeClr>
-                </a:glow>
-                <a:outerShdw blurRad="80000" dist="40000" dir="5040000" algn="tl">
-                  <a:srgbClr val="000000">
-                    <a:alpha val="30000"/>
-                  </a:srgbClr>
-                </a:outerShdw>
-              </a:effectLst>
-              <a:latin typeface="Arial Black" pitchFamily="34" charset="0"/>
-            </a:endParaRPr>
-          </a:p>
-        </p:txBody>
-      </p:sp>
-    </p:spTree>
-    <p:extLst>
-      <p:ext uri="{BB962C8B-B14F-4D97-AF65-F5344CB8AC3E}">
-        <p14:creationId xmlns:p14="http://schemas.microsoft.com/office/powerpoint/2010/main" val="239098255"/>
-      </p:ext>
-    </p:extLst>
-  </p:cSld>
-  <p:clrMapOvr>
-    <a:masterClrMapping/>
-  </p:clrMapOvr>
-</p:sld>
-</file>
-
-<file path=ppt/slides/slide18.xml><?xml version="1.0" encoding="utf-8"?>
-<p:sld xmlns:a="http://schemas.openxmlformats.org/drawingml/2006/main" xmlns:r="http://schemas.openxmlformats.org/officeDocument/2006/relationships" xmlns:p="http://schemas.openxmlformats.org/presentationml/2006/main">
-  <p:cSld>
-    <p:spTree>
-      <p:nvGrpSpPr>
-        <p:cNvPr id="1" name=""/>
-        <p:cNvGrpSpPr/>
-        <p:nvPr/>
-      </p:nvGrpSpPr>
-      <p:grpSpPr>
-        <a:xfrm>
-          <a:off x="0" y="0"/>
-          <a:ext cx="0" cy="0"/>
-          <a:chOff x="0" y="0"/>
-          <a:chExt cx="0" cy="0"/>
-        </a:xfrm>
-      </p:grpSpPr>
-      <p:sp>
-        <p:nvSpPr>
           <p:cNvPr id="2" name="Slide Number Placeholder 1"/>
           <p:cNvSpPr>
             <a:spLocks noGrp="1"/>
@@ -17721,7 +17300,7 @@
             <a:fld id="{C014DD1E-5D91-48A3-AD6D-45FBA980D106}" type="slidenum">
               <a:rPr lang="en-US" smtClean="0"/>
               <a:pPr/>
-              <a:t>18</a:t>
+              <a:t>17</a:t>
             </a:fld>
             <a:endParaRPr lang="en-US" dirty="0"/>
           </a:p>
@@ -18939,7 +18518,7 @@
 </p:sld>
 </file>
 
-<file path=ppt/slides/slide19.xml><?xml version="1.0" encoding="utf-8"?>
+<file path=ppt/slides/slide18.xml><?xml version="1.0" encoding="utf-8"?>
 <p:sld xmlns:a="http://schemas.openxmlformats.org/drawingml/2006/main" xmlns:r="http://schemas.openxmlformats.org/officeDocument/2006/relationships" xmlns:p="http://schemas.openxmlformats.org/presentationml/2006/main">
   <p:cSld>
     <p:spTree>
@@ -18974,7 +18553,7 @@
             <a:fld id="{C014DD1E-5D91-48A3-AD6D-45FBA980D106}" type="slidenum">
               <a:rPr lang="en-US" smtClean="0"/>
               <a:pPr/>
-              <a:t>19</a:t>
+              <a:t>18</a:t>
             </a:fld>
             <a:endParaRPr lang="en-US" dirty="0"/>
           </a:p>
@@ -19946,709 +19525,17 @@
   <p:clrMapOvr>
     <a:masterClrMapping/>
   </p:clrMapOvr>
+  <p:timing>
+    <p:tnLst>
+      <p:par>
+        <p:cTn id="1" dur="indefinite" restart="never" nodeType="tmRoot"/>
+      </p:par>
+    </p:tnLst>
+  </p:timing>
 </p:sld>
 </file>
 
-<file path=ppt/slides/slide2.xml><?xml version="1.0" encoding="utf-8"?>
-<p:sld xmlns:a="http://schemas.openxmlformats.org/drawingml/2006/main" xmlns:r="http://schemas.openxmlformats.org/officeDocument/2006/relationships" xmlns:p="http://schemas.openxmlformats.org/presentationml/2006/main">
-  <p:cSld>
-    <p:spTree>
-      <p:nvGrpSpPr>
-        <p:cNvPr id="1" name=""/>
-        <p:cNvGrpSpPr/>
-        <p:nvPr/>
-      </p:nvGrpSpPr>
-      <p:grpSpPr>
-        <a:xfrm>
-          <a:off x="0" y="0"/>
-          <a:ext cx="0" cy="0"/>
-          <a:chOff x="0" y="0"/>
-          <a:chExt cx="0" cy="0"/>
-        </a:xfrm>
-      </p:grpSpPr>
-      <p:sp>
-        <p:nvSpPr>
-          <p:cNvPr id="2" name="Title 1"/>
-          <p:cNvSpPr>
-            <a:spLocks noGrp="1"/>
-          </p:cNvSpPr>
-          <p:nvPr>
-            <p:ph type="title"/>
-          </p:nvPr>
-        </p:nvSpPr>
-        <p:spPr>
-          <a:xfrm>
-            <a:off x="1446212" y="4764639"/>
-            <a:ext cx="8938472" cy="774883"/>
-          </a:xfrm>
-        </p:spPr>
-        <p:txBody>
-          <a:bodyPr/>
-          <a:lstStyle/>
-          <a:p>
-            <a:pPr>
-              <a:lnSpc>
-                <a:spcPts val="5400"/>
-              </a:lnSpc>
-            </a:pPr>
-            <a:r>
-              <a:rPr lang="en-US" dirty="0"/>
-              <a:t>Associative Arrays</a:t>
-            </a:r>
-          </a:p>
-        </p:txBody>
-      </p:sp>
-      <p:sp>
-        <p:nvSpPr>
-          <p:cNvPr id="3" name="Subtitle 2"/>
-          <p:cNvSpPr>
-            <a:spLocks noGrp="1"/>
-          </p:cNvSpPr>
-          <p:nvPr>
-            <p:ph type="body" idx="1"/>
-          </p:nvPr>
-        </p:nvSpPr>
-        <p:spPr>
-          <a:xfrm>
-            <a:off x="1446212" y="5635190"/>
-            <a:ext cx="8938472" cy="689410"/>
-          </a:xfrm>
-        </p:spPr>
-        <p:txBody>
-          <a:bodyPr/>
-          <a:lstStyle/>
-          <a:p>
-            <a:r>
-              <a:rPr lang="en-US" b="1" dirty="0">
-                <a:latin typeface="Consolas" panose="020B0609020204030204" pitchFamily="49" charset="0"/>
-              </a:rPr>
-              <a:t>Dictionary&lt;Key, Value&gt;</a:t>
-            </a:r>
-          </a:p>
-        </p:txBody>
-      </p:sp>
-      <p:sp>
-        <p:nvSpPr>
-          <p:cNvPr id="6" name="Oval 5"/>
-          <p:cNvSpPr/>
-          <p:nvPr/>
-        </p:nvSpPr>
-        <p:spPr>
-          <a:xfrm>
-            <a:off x="2360612" y="1600200"/>
-            <a:ext cx="2743200" cy="2639122"/>
-          </a:xfrm>
-          <a:prstGeom prst="ellipse">
-            <a:avLst/>
-          </a:prstGeom>
-          <a:solidFill>
-            <a:schemeClr val="tx1">
-              <a:lumMod val="50000"/>
-              <a:alpha val="50000"/>
-            </a:schemeClr>
-          </a:solidFill>
-          <a:ln>
-            <a:solidFill>
-              <a:schemeClr val="tx2"/>
-            </a:solidFill>
-          </a:ln>
-        </p:spPr>
-        <p:style>
-          <a:lnRef idx="0">
-            <a:scrgbClr r="0" g="0" b="0"/>
-          </a:lnRef>
-          <a:fillRef idx="0">
-            <a:scrgbClr r="0" g="0" b="0"/>
-          </a:fillRef>
-          <a:effectRef idx="0">
-            <a:scrgbClr r="0" g="0" b="0"/>
-          </a:effectRef>
-          <a:fontRef idx="minor">
-            <a:schemeClr val="lt1"/>
-          </a:fontRef>
-        </p:style>
-        <p:txBody>
-          <a:bodyPr rtlCol="0" anchor="ctr"/>
-          <a:lstStyle/>
-          <a:p>
-            <a:pPr algn="ctr"/>
-            <a:r>
-              <a:rPr lang="en-US" sz="2800" dirty="0"/>
-              <a:t>ivan</a:t>
-            </a:r>
-            <a:r>
-              <a:rPr lang="bg-BG" sz="2800" dirty="0"/>
-              <a:t> </a:t>
-            </a:r>
-            <a:endParaRPr lang="en-US" sz="2800" dirty="0"/>
-          </a:p>
-          <a:p>
-            <a:pPr algn="ctr"/>
-            <a:r>
-              <a:rPr lang="en-US" sz="2800" dirty="0"/>
-              <a:t>gosho</a:t>
-            </a:r>
-          </a:p>
-          <a:p>
-            <a:pPr algn="ctr"/>
-            <a:r>
-              <a:rPr lang="en-US" sz="2800" dirty="0"/>
-              <a:t>pesho</a:t>
-            </a:r>
-          </a:p>
-        </p:txBody>
-      </p:sp>
-      <p:cxnSp>
-        <p:nvCxnSpPr>
-          <p:cNvPr id="9" name="Straight Arrow Connector 8"/>
-          <p:cNvCxnSpPr>
-            <a:endCxn id="18" idx="1"/>
-          </p:cNvCxnSpPr>
-          <p:nvPr/>
-        </p:nvCxnSpPr>
-        <p:spPr>
-          <a:xfrm>
-            <a:off x="4265612" y="2514600"/>
-            <a:ext cx="2743200" cy="505599"/>
-          </a:xfrm>
-          <a:prstGeom prst="straightConnector1">
-            <a:avLst/>
-          </a:prstGeom>
-          <a:ln w="25400">
-            <a:tailEnd type="triangle"/>
-          </a:ln>
-        </p:spPr>
-        <p:style>
-          <a:lnRef idx="1">
-            <a:schemeClr val="accent1"/>
-          </a:lnRef>
-          <a:fillRef idx="0">
-            <a:schemeClr val="accent1"/>
-          </a:fillRef>
-          <a:effectRef idx="0">
-            <a:schemeClr val="accent1"/>
-          </a:effectRef>
-          <a:fontRef idx="minor">
-            <a:schemeClr val="tx1"/>
-          </a:fontRef>
-        </p:style>
-      </p:cxnSp>
-      <p:cxnSp>
-        <p:nvCxnSpPr>
-          <p:cNvPr id="10" name="Straight Arrow Connector 9"/>
-          <p:cNvCxnSpPr>
-            <a:endCxn id="19" idx="1"/>
-          </p:cNvCxnSpPr>
-          <p:nvPr/>
-        </p:nvCxnSpPr>
-        <p:spPr>
-          <a:xfrm>
-            <a:off x="4265612" y="2916997"/>
-            <a:ext cx="2743200" cy="655652"/>
-          </a:xfrm>
-          <a:prstGeom prst="straightConnector1">
-            <a:avLst/>
-          </a:prstGeom>
-          <a:ln w="25400">
-            <a:tailEnd type="triangle"/>
-          </a:ln>
-        </p:spPr>
-        <p:style>
-          <a:lnRef idx="1">
-            <a:schemeClr val="accent1"/>
-          </a:lnRef>
-          <a:fillRef idx="0">
-            <a:schemeClr val="accent1"/>
-          </a:fillRef>
-          <a:effectRef idx="0">
-            <a:schemeClr val="accent1"/>
-          </a:effectRef>
-          <a:fontRef idx="minor">
-            <a:schemeClr val="tx1"/>
-          </a:fontRef>
-        </p:style>
-      </p:cxnSp>
-      <p:cxnSp>
-        <p:nvCxnSpPr>
-          <p:cNvPr id="11" name="Straight Arrow Connector 10"/>
-          <p:cNvCxnSpPr>
-            <a:cxnSpLocks/>
-            <a:endCxn id="17" idx="1"/>
-          </p:cNvCxnSpPr>
-          <p:nvPr/>
-        </p:nvCxnSpPr>
-        <p:spPr>
-          <a:xfrm flipV="1">
-            <a:off x="4265612" y="2466201"/>
-            <a:ext cx="2743200" cy="829449"/>
-          </a:xfrm>
-          <a:prstGeom prst="straightConnector1">
-            <a:avLst/>
-          </a:prstGeom>
-          <a:ln w="25400">
-            <a:tailEnd type="triangle"/>
-          </a:ln>
-        </p:spPr>
-        <p:style>
-          <a:lnRef idx="1">
-            <a:schemeClr val="accent1"/>
-          </a:lnRef>
-          <a:fillRef idx="0">
-            <a:schemeClr val="accent1"/>
-          </a:fillRef>
-          <a:effectRef idx="0">
-            <a:schemeClr val="accent1"/>
-          </a:effectRef>
-          <a:fontRef idx="minor">
-            <a:schemeClr val="tx1"/>
-          </a:fontRef>
-        </p:style>
-      </p:cxnSp>
-      <p:sp>
-        <p:nvSpPr>
-          <p:cNvPr id="17" name="Text Placeholder 7"/>
-          <p:cNvSpPr txBox="1">
-            <a:spLocks/>
-          </p:cNvSpPr>
-          <p:nvPr/>
-        </p:nvSpPr>
-        <p:spPr>
-          <a:xfrm>
-            <a:off x="7008812" y="2189202"/>
-            <a:ext cx="2743199" cy="553998"/>
-          </a:xfrm>
-          <a:prstGeom prst="rect">
-            <a:avLst/>
-          </a:prstGeom>
-          <a:solidFill>
-            <a:schemeClr val="accent5">
-              <a:lumMod val="40000"/>
-              <a:lumOff val="60000"/>
-              <a:alpha val="15000"/>
-            </a:schemeClr>
-          </a:solidFill>
-          <a:ln w="12700">
-            <a:solidFill>
-              <a:schemeClr val="accent5">
-                <a:lumMod val="60000"/>
-                <a:lumOff val="40000"/>
-              </a:schemeClr>
-            </a:solidFill>
-          </a:ln>
-        </p:spPr>
-        <p:txBody>
-          <a:bodyPr vert="horz" wrap="square" lIns="180000" tIns="91440" rIns="180000" bIns="91440" rtlCol="0">
-            <a:spAutoFit/>
-          </a:bodyPr>
-          <a:lstStyle>
-            <a:defPPr>
-              <a:defRPr lang="en-US"/>
-            </a:defPPr>
-            <a:lvl1pPr marL="0" algn="l" defTabSz="1218987" rtl="0" eaLnBrk="1" latinLnBrk="0" hangingPunct="1">
-              <a:defRPr sz="2400" kern="1200">
-                <a:solidFill>
-                  <a:schemeClr val="tx1"/>
-                </a:solidFill>
-                <a:latin typeface="+mn-lt"/>
-                <a:ea typeface="+mn-ea"/>
-                <a:cs typeface="+mn-cs"/>
-              </a:defRPr>
-            </a:lvl1pPr>
-            <a:lvl2pPr marL="609493" algn="l" defTabSz="1218987" rtl="0" eaLnBrk="1" latinLnBrk="0" hangingPunct="1">
-              <a:defRPr sz="2400" kern="1200">
-                <a:solidFill>
-                  <a:schemeClr val="tx1"/>
-                </a:solidFill>
-                <a:latin typeface="+mn-lt"/>
-                <a:ea typeface="+mn-ea"/>
-                <a:cs typeface="+mn-cs"/>
-              </a:defRPr>
-            </a:lvl2pPr>
-            <a:lvl3pPr marL="1218987" algn="l" defTabSz="1218987" rtl="0" eaLnBrk="1" latinLnBrk="0" hangingPunct="1">
-              <a:defRPr sz="2400" kern="1200">
-                <a:solidFill>
-                  <a:schemeClr val="tx1"/>
-                </a:solidFill>
-                <a:latin typeface="+mn-lt"/>
-                <a:ea typeface="+mn-ea"/>
-                <a:cs typeface="+mn-cs"/>
-              </a:defRPr>
-            </a:lvl3pPr>
-            <a:lvl4pPr marL="1828480" algn="l" defTabSz="1218987" rtl="0" eaLnBrk="1" latinLnBrk="0" hangingPunct="1">
-              <a:defRPr sz="2400" kern="1200">
-                <a:solidFill>
-                  <a:schemeClr val="tx1"/>
-                </a:solidFill>
-                <a:latin typeface="+mn-lt"/>
-                <a:ea typeface="+mn-ea"/>
-                <a:cs typeface="+mn-cs"/>
-              </a:defRPr>
-            </a:lvl4pPr>
-            <a:lvl5pPr marL="2437973" algn="l" defTabSz="1218987" rtl="0" eaLnBrk="1" latinLnBrk="0" hangingPunct="1">
-              <a:defRPr sz="2400" kern="1200">
-                <a:solidFill>
-                  <a:schemeClr val="tx1"/>
-                </a:solidFill>
-                <a:latin typeface="+mn-lt"/>
-                <a:ea typeface="+mn-ea"/>
-                <a:cs typeface="+mn-cs"/>
-              </a:defRPr>
-            </a:lvl5pPr>
-            <a:lvl6pPr marL="3047467" algn="l" defTabSz="1218987" rtl="0" eaLnBrk="1" latinLnBrk="0" hangingPunct="1">
-              <a:defRPr sz="2400" kern="1200">
-                <a:solidFill>
-                  <a:schemeClr val="tx1"/>
-                </a:solidFill>
-                <a:latin typeface="+mn-lt"/>
-                <a:ea typeface="+mn-ea"/>
-                <a:cs typeface="+mn-cs"/>
-              </a:defRPr>
-            </a:lvl6pPr>
-            <a:lvl7pPr marL="3656960" algn="l" defTabSz="1218987" rtl="0" eaLnBrk="1" latinLnBrk="0" hangingPunct="1">
-              <a:defRPr sz="2400" kern="1200">
-                <a:solidFill>
-                  <a:schemeClr val="tx1"/>
-                </a:solidFill>
-                <a:latin typeface="+mn-lt"/>
-                <a:ea typeface="+mn-ea"/>
-                <a:cs typeface="+mn-cs"/>
-              </a:defRPr>
-            </a:lvl7pPr>
-            <a:lvl8pPr marL="4266453" algn="l" defTabSz="1218987" rtl="0" eaLnBrk="1" latinLnBrk="0" hangingPunct="1">
-              <a:defRPr sz="2400" kern="1200">
-                <a:solidFill>
-                  <a:schemeClr val="tx1"/>
-                </a:solidFill>
-                <a:latin typeface="+mn-lt"/>
-                <a:ea typeface="+mn-ea"/>
-                <a:cs typeface="+mn-cs"/>
-              </a:defRPr>
-            </a:lvl8pPr>
-            <a:lvl9pPr marL="4875947" algn="l" defTabSz="1218987" rtl="0" eaLnBrk="1" latinLnBrk="0" hangingPunct="1">
-              <a:defRPr sz="2400" kern="1200">
-                <a:solidFill>
-                  <a:schemeClr val="tx1"/>
-                </a:solidFill>
-                <a:latin typeface="+mn-lt"/>
-                <a:ea typeface="+mn-ea"/>
-                <a:cs typeface="+mn-cs"/>
-              </a:defRPr>
-            </a:lvl9pPr>
-          </a:lstStyle>
-          <a:p>
-            <a:pPr algn="ctr"/>
-            <a:r>
-              <a:rPr lang="bg-BG" noProof="1"/>
-              <a:t>0845-346-356</a:t>
-            </a:r>
-            <a:endParaRPr lang="en-US" noProof="1"/>
-          </a:p>
-        </p:txBody>
-      </p:sp>
-      <p:sp>
-        <p:nvSpPr>
-          <p:cNvPr id="18" name="Text Placeholder 7"/>
-          <p:cNvSpPr txBox="1">
-            <a:spLocks/>
-          </p:cNvSpPr>
-          <p:nvPr/>
-        </p:nvSpPr>
-        <p:spPr>
-          <a:xfrm>
-            <a:off x="7008812" y="2743200"/>
-            <a:ext cx="2743199" cy="553998"/>
-          </a:xfrm>
-          <a:prstGeom prst="rect">
-            <a:avLst/>
-          </a:prstGeom>
-          <a:solidFill>
-            <a:schemeClr val="accent5">
-              <a:lumMod val="40000"/>
-              <a:lumOff val="60000"/>
-              <a:alpha val="15000"/>
-            </a:schemeClr>
-          </a:solidFill>
-          <a:ln w="12700">
-            <a:solidFill>
-              <a:schemeClr val="accent5">
-                <a:lumMod val="60000"/>
-                <a:lumOff val="40000"/>
-              </a:schemeClr>
-            </a:solidFill>
-          </a:ln>
-        </p:spPr>
-        <p:txBody>
-          <a:bodyPr vert="horz" wrap="square" lIns="180000" tIns="91440" rIns="180000" bIns="91440" rtlCol="0">
-            <a:spAutoFit/>
-          </a:bodyPr>
-          <a:lstStyle>
-            <a:defPPr>
-              <a:defRPr lang="en-US"/>
-            </a:defPPr>
-            <a:lvl1pPr marL="0" algn="l" defTabSz="1218987" rtl="0" eaLnBrk="1" latinLnBrk="0" hangingPunct="1">
-              <a:defRPr sz="2400" kern="1200">
-                <a:solidFill>
-                  <a:schemeClr val="tx1"/>
-                </a:solidFill>
-                <a:latin typeface="+mn-lt"/>
-                <a:ea typeface="+mn-ea"/>
-                <a:cs typeface="+mn-cs"/>
-              </a:defRPr>
-            </a:lvl1pPr>
-            <a:lvl2pPr marL="609493" algn="l" defTabSz="1218987" rtl="0" eaLnBrk="1" latinLnBrk="0" hangingPunct="1">
-              <a:defRPr sz="2400" kern="1200">
-                <a:solidFill>
-                  <a:schemeClr val="tx1"/>
-                </a:solidFill>
-                <a:latin typeface="+mn-lt"/>
-                <a:ea typeface="+mn-ea"/>
-                <a:cs typeface="+mn-cs"/>
-              </a:defRPr>
-            </a:lvl2pPr>
-            <a:lvl3pPr marL="1218987" algn="l" defTabSz="1218987" rtl="0" eaLnBrk="1" latinLnBrk="0" hangingPunct="1">
-              <a:defRPr sz="2400" kern="1200">
-                <a:solidFill>
-                  <a:schemeClr val="tx1"/>
-                </a:solidFill>
-                <a:latin typeface="+mn-lt"/>
-                <a:ea typeface="+mn-ea"/>
-                <a:cs typeface="+mn-cs"/>
-              </a:defRPr>
-            </a:lvl3pPr>
-            <a:lvl4pPr marL="1828480" algn="l" defTabSz="1218987" rtl="0" eaLnBrk="1" latinLnBrk="0" hangingPunct="1">
-              <a:defRPr sz="2400" kern="1200">
-                <a:solidFill>
-                  <a:schemeClr val="tx1"/>
-                </a:solidFill>
-                <a:latin typeface="+mn-lt"/>
-                <a:ea typeface="+mn-ea"/>
-                <a:cs typeface="+mn-cs"/>
-              </a:defRPr>
-            </a:lvl4pPr>
-            <a:lvl5pPr marL="2437973" algn="l" defTabSz="1218987" rtl="0" eaLnBrk="1" latinLnBrk="0" hangingPunct="1">
-              <a:defRPr sz="2400" kern="1200">
-                <a:solidFill>
-                  <a:schemeClr val="tx1"/>
-                </a:solidFill>
-                <a:latin typeface="+mn-lt"/>
-                <a:ea typeface="+mn-ea"/>
-                <a:cs typeface="+mn-cs"/>
-              </a:defRPr>
-            </a:lvl5pPr>
-            <a:lvl6pPr marL="3047467" algn="l" defTabSz="1218987" rtl="0" eaLnBrk="1" latinLnBrk="0" hangingPunct="1">
-              <a:defRPr sz="2400" kern="1200">
-                <a:solidFill>
-                  <a:schemeClr val="tx1"/>
-                </a:solidFill>
-                <a:latin typeface="+mn-lt"/>
-                <a:ea typeface="+mn-ea"/>
-                <a:cs typeface="+mn-cs"/>
-              </a:defRPr>
-            </a:lvl6pPr>
-            <a:lvl7pPr marL="3656960" algn="l" defTabSz="1218987" rtl="0" eaLnBrk="1" latinLnBrk="0" hangingPunct="1">
-              <a:defRPr sz="2400" kern="1200">
-                <a:solidFill>
-                  <a:schemeClr val="tx1"/>
-                </a:solidFill>
-                <a:latin typeface="+mn-lt"/>
-                <a:ea typeface="+mn-ea"/>
-                <a:cs typeface="+mn-cs"/>
-              </a:defRPr>
-            </a:lvl7pPr>
-            <a:lvl8pPr marL="4266453" algn="l" defTabSz="1218987" rtl="0" eaLnBrk="1" latinLnBrk="0" hangingPunct="1">
-              <a:defRPr sz="2400" kern="1200">
-                <a:solidFill>
-                  <a:schemeClr val="tx1"/>
-                </a:solidFill>
-                <a:latin typeface="+mn-lt"/>
-                <a:ea typeface="+mn-ea"/>
-                <a:cs typeface="+mn-cs"/>
-              </a:defRPr>
-            </a:lvl8pPr>
-            <a:lvl9pPr marL="4875947" algn="l" defTabSz="1218987" rtl="0" eaLnBrk="1" latinLnBrk="0" hangingPunct="1">
-              <a:defRPr sz="2400" kern="1200">
-                <a:solidFill>
-                  <a:schemeClr val="tx1"/>
-                </a:solidFill>
-                <a:latin typeface="+mn-lt"/>
-                <a:ea typeface="+mn-ea"/>
-                <a:cs typeface="+mn-cs"/>
-              </a:defRPr>
-            </a:lvl9pPr>
-          </a:lstStyle>
-          <a:p>
-            <a:pPr algn="ctr"/>
-            <a:r>
-              <a:rPr lang="bg-BG" noProof="1"/>
-              <a:t>2350-452-167</a:t>
-            </a:r>
-            <a:endParaRPr lang="en-US" noProof="1"/>
-          </a:p>
-        </p:txBody>
-      </p:sp>
-      <p:sp>
-        <p:nvSpPr>
-          <p:cNvPr id="19" name="Text Placeholder 7"/>
-          <p:cNvSpPr txBox="1">
-            <a:spLocks/>
-          </p:cNvSpPr>
-          <p:nvPr/>
-        </p:nvSpPr>
-        <p:spPr>
-          <a:xfrm>
-            <a:off x="7008812" y="3295650"/>
-            <a:ext cx="2743199" cy="553998"/>
-          </a:xfrm>
-          <a:prstGeom prst="rect">
-            <a:avLst/>
-          </a:prstGeom>
-          <a:solidFill>
-            <a:schemeClr val="accent5">
-              <a:lumMod val="40000"/>
-              <a:lumOff val="60000"/>
-              <a:alpha val="15000"/>
-            </a:schemeClr>
-          </a:solidFill>
-          <a:ln w="12700">
-            <a:solidFill>
-              <a:schemeClr val="accent5">
-                <a:lumMod val="60000"/>
-                <a:lumOff val="40000"/>
-              </a:schemeClr>
-            </a:solidFill>
-          </a:ln>
-        </p:spPr>
-        <p:txBody>
-          <a:bodyPr vert="horz" wrap="square" lIns="180000" tIns="91440" rIns="180000" bIns="91440" rtlCol="0">
-            <a:spAutoFit/>
-          </a:bodyPr>
-          <a:lstStyle>
-            <a:defPPr>
-              <a:defRPr lang="en-US"/>
-            </a:defPPr>
-            <a:lvl1pPr marL="0" algn="l" defTabSz="1218987" rtl="0" eaLnBrk="1" latinLnBrk="0" hangingPunct="1">
-              <a:defRPr sz="2400" kern="1200">
-                <a:solidFill>
-                  <a:schemeClr val="tx1"/>
-                </a:solidFill>
-                <a:latin typeface="+mn-lt"/>
-                <a:ea typeface="+mn-ea"/>
-                <a:cs typeface="+mn-cs"/>
-              </a:defRPr>
-            </a:lvl1pPr>
-            <a:lvl2pPr marL="609493" algn="l" defTabSz="1218987" rtl="0" eaLnBrk="1" latinLnBrk="0" hangingPunct="1">
-              <a:defRPr sz="2400" kern="1200">
-                <a:solidFill>
-                  <a:schemeClr val="tx1"/>
-                </a:solidFill>
-                <a:latin typeface="+mn-lt"/>
-                <a:ea typeface="+mn-ea"/>
-                <a:cs typeface="+mn-cs"/>
-              </a:defRPr>
-            </a:lvl2pPr>
-            <a:lvl3pPr marL="1218987" algn="l" defTabSz="1218987" rtl="0" eaLnBrk="1" latinLnBrk="0" hangingPunct="1">
-              <a:defRPr sz="2400" kern="1200">
-                <a:solidFill>
-                  <a:schemeClr val="tx1"/>
-                </a:solidFill>
-                <a:latin typeface="+mn-lt"/>
-                <a:ea typeface="+mn-ea"/>
-                <a:cs typeface="+mn-cs"/>
-              </a:defRPr>
-            </a:lvl3pPr>
-            <a:lvl4pPr marL="1828480" algn="l" defTabSz="1218987" rtl="0" eaLnBrk="1" latinLnBrk="0" hangingPunct="1">
-              <a:defRPr sz="2400" kern="1200">
-                <a:solidFill>
-                  <a:schemeClr val="tx1"/>
-                </a:solidFill>
-                <a:latin typeface="+mn-lt"/>
-                <a:ea typeface="+mn-ea"/>
-                <a:cs typeface="+mn-cs"/>
-              </a:defRPr>
-            </a:lvl4pPr>
-            <a:lvl5pPr marL="2437973" algn="l" defTabSz="1218987" rtl="0" eaLnBrk="1" latinLnBrk="0" hangingPunct="1">
-              <a:defRPr sz="2400" kern="1200">
-                <a:solidFill>
-                  <a:schemeClr val="tx1"/>
-                </a:solidFill>
-                <a:latin typeface="+mn-lt"/>
-                <a:ea typeface="+mn-ea"/>
-                <a:cs typeface="+mn-cs"/>
-              </a:defRPr>
-            </a:lvl5pPr>
-            <a:lvl6pPr marL="3047467" algn="l" defTabSz="1218987" rtl="0" eaLnBrk="1" latinLnBrk="0" hangingPunct="1">
-              <a:defRPr sz="2400" kern="1200">
-                <a:solidFill>
-                  <a:schemeClr val="tx1"/>
-                </a:solidFill>
-                <a:latin typeface="+mn-lt"/>
-                <a:ea typeface="+mn-ea"/>
-                <a:cs typeface="+mn-cs"/>
-              </a:defRPr>
-            </a:lvl6pPr>
-            <a:lvl7pPr marL="3656960" algn="l" defTabSz="1218987" rtl="0" eaLnBrk="1" latinLnBrk="0" hangingPunct="1">
-              <a:defRPr sz="2400" kern="1200">
-                <a:solidFill>
-                  <a:schemeClr val="tx1"/>
-                </a:solidFill>
-                <a:latin typeface="+mn-lt"/>
-                <a:ea typeface="+mn-ea"/>
-                <a:cs typeface="+mn-cs"/>
-              </a:defRPr>
-            </a:lvl7pPr>
-            <a:lvl8pPr marL="4266453" algn="l" defTabSz="1218987" rtl="0" eaLnBrk="1" latinLnBrk="0" hangingPunct="1">
-              <a:defRPr sz="2400" kern="1200">
-                <a:solidFill>
-                  <a:schemeClr val="tx1"/>
-                </a:solidFill>
-                <a:latin typeface="+mn-lt"/>
-                <a:ea typeface="+mn-ea"/>
-                <a:cs typeface="+mn-cs"/>
-              </a:defRPr>
-            </a:lvl8pPr>
-            <a:lvl9pPr marL="4875947" algn="l" defTabSz="1218987" rtl="0" eaLnBrk="1" latinLnBrk="0" hangingPunct="1">
-              <a:defRPr sz="2400" kern="1200">
-                <a:solidFill>
-                  <a:schemeClr val="tx1"/>
-                </a:solidFill>
-                <a:latin typeface="+mn-lt"/>
-                <a:ea typeface="+mn-ea"/>
-                <a:cs typeface="+mn-cs"/>
-              </a:defRPr>
-            </a:lvl9pPr>
-          </a:lstStyle>
-          <a:p>
-            <a:pPr algn="ctr"/>
-            <a:r>
-              <a:rPr lang="bg-BG" noProof="1"/>
-              <a:t>1255-377-131</a:t>
-            </a:r>
-            <a:endParaRPr lang="en-US" noProof="1"/>
-          </a:p>
-        </p:txBody>
-      </p:sp>
-    </p:spTree>
-    <p:extLst>
-      <p:ext uri="{BB962C8B-B14F-4D97-AF65-F5344CB8AC3E}">
-        <p14:creationId xmlns:p14="http://schemas.microsoft.com/office/powerpoint/2010/main" val="1806847456"/>
-      </p:ext>
-    </p:extLst>
-  </p:cSld>
-  <p:clrMapOvr>
-    <a:masterClrMapping/>
-  </p:clrMapOvr>
-  <mc:AlternateContent xmlns:mc="http://schemas.openxmlformats.org/markup-compatibility/2006" xmlns:p14="http://schemas.microsoft.com/office/powerpoint/2010/main">
-    <mc:Choice Requires="p14">
-      <p:transition p14:dur="10"/>
-    </mc:Choice>
-    <mc:Fallback xmlns="">
-      <p:transition/>
-    </mc:Fallback>
-  </mc:AlternateContent>
-</p:sld>
-</file>
-
-<file path=ppt/slides/slide20.xml><?xml version="1.0" encoding="utf-8"?>
+<file path=ppt/slides/slide19.xml><?xml version="1.0" encoding="utf-8"?>
 <p:sld xmlns:a="http://schemas.openxmlformats.org/drawingml/2006/main" xmlns:r="http://schemas.openxmlformats.org/officeDocument/2006/relationships" xmlns:p="http://schemas.openxmlformats.org/presentationml/2006/main">
   <p:cSld>
     <p:spTree>
@@ -20683,7 +19570,7 @@
             <a:fld id="{C014DD1E-5D91-48A3-AD6D-45FBA980D106}" type="slidenum">
               <a:rPr lang="en-US" smtClean="0"/>
               <a:pPr/>
-              <a:t>20</a:t>
+              <a:t>19</a:t>
             </a:fld>
             <a:endParaRPr lang="en-US" dirty="0"/>
           </a:p>
@@ -21866,7 +20753,706 @@
 </p:sld>
 </file>
 
-<file path=ppt/slides/slide21.xml><?xml version="1.0" encoding="utf-8"?>
+<file path=ppt/slides/slide2.xml><?xml version="1.0" encoding="utf-8"?>
+<p:sld xmlns:a="http://schemas.openxmlformats.org/drawingml/2006/main" xmlns:r="http://schemas.openxmlformats.org/officeDocument/2006/relationships" xmlns:p="http://schemas.openxmlformats.org/presentationml/2006/main">
+  <p:cSld>
+    <p:spTree>
+      <p:nvGrpSpPr>
+        <p:cNvPr id="1" name=""/>
+        <p:cNvGrpSpPr/>
+        <p:nvPr/>
+      </p:nvGrpSpPr>
+      <p:grpSpPr>
+        <a:xfrm>
+          <a:off x="0" y="0"/>
+          <a:ext cx="0" cy="0"/>
+          <a:chOff x="0" y="0"/>
+          <a:chExt cx="0" cy="0"/>
+        </a:xfrm>
+      </p:grpSpPr>
+      <p:sp>
+        <p:nvSpPr>
+          <p:cNvPr id="2" name="Title 1"/>
+          <p:cNvSpPr>
+            <a:spLocks noGrp="1"/>
+          </p:cNvSpPr>
+          <p:nvPr>
+            <p:ph type="title"/>
+          </p:nvPr>
+        </p:nvSpPr>
+        <p:spPr>
+          <a:xfrm>
+            <a:off x="1446212" y="4764639"/>
+            <a:ext cx="8938472" cy="774883"/>
+          </a:xfrm>
+        </p:spPr>
+        <p:txBody>
+          <a:bodyPr/>
+          <a:lstStyle/>
+          <a:p>
+            <a:pPr>
+              <a:lnSpc>
+                <a:spcPts val="5400"/>
+              </a:lnSpc>
+            </a:pPr>
+            <a:r>
+              <a:rPr lang="en-US" dirty="0"/>
+              <a:t>Associative Arrays</a:t>
+            </a:r>
+          </a:p>
+        </p:txBody>
+      </p:sp>
+      <p:sp>
+        <p:nvSpPr>
+          <p:cNvPr id="3" name="Subtitle 2"/>
+          <p:cNvSpPr>
+            <a:spLocks noGrp="1"/>
+          </p:cNvSpPr>
+          <p:nvPr>
+            <p:ph type="body" idx="1"/>
+          </p:nvPr>
+        </p:nvSpPr>
+        <p:spPr>
+          <a:xfrm>
+            <a:off x="1446212" y="5635190"/>
+            <a:ext cx="8938472" cy="689410"/>
+          </a:xfrm>
+        </p:spPr>
+        <p:txBody>
+          <a:bodyPr/>
+          <a:lstStyle/>
+          <a:p>
+            <a:r>
+              <a:rPr lang="en-US" b="1" dirty="0">
+                <a:latin typeface="Consolas" panose="020B0609020204030204" pitchFamily="49" charset="0"/>
+              </a:rPr>
+              <a:t>Dictionary&lt;Key, Value&gt;</a:t>
+            </a:r>
+          </a:p>
+        </p:txBody>
+      </p:sp>
+      <p:sp>
+        <p:nvSpPr>
+          <p:cNvPr id="6" name="Oval 5"/>
+          <p:cNvSpPr/>
+          <p:nvPr/>
+        </p:nvSpPr>
+        <p:spPr>
+          <a:xfrm>
+            <a:off x="2360612" y="1600200"/>
+            <a:ext cx="2743200" cy="2639122"/>
+          </a:xfrm>
+          <a:prstGeom prst="ellipse">
+            <a:avLst/>
+          </a:prstGeom>
+          <a:solidFill>
+            <a:schemeClr val="tx1">
+              <a:lumMod val="50000"/>
+              <a:alpha val="50000"/>
+            </a:schemeClr>
+          </a:solidFill>
+          <a:ln>
+            <a:solidFill>
+              <a:schemeClr val="tx2"/>
+            </a:solidFill>
+          </a:ln>
+        </p:spPr>
+        <p:style>
+          <a:lnRef idx="0">
+            <a:scrgbClr r="0" g="0" b="0"/>
+          </a:lnRef>
+          <a:fillRef idx="0">
+            <a:scrgbClr r="0" g="0" b="0"/>
+          </a:fillRef>
+          <a:effectRef idx="0">
+            <a:scrgbClr r="0" g="0" b="0"/>
+          </a:effectRef>
+          <a:fontRef idx="minor">
+            <a:schemeClr val="lt1"/>
+          </a:fontRef>
+        </p:style>
+        <p:txBody>
+          <a:bodyPr rtlCol="0" anchor="ctr"/>
+          <a:lstStyle/>
+          <a:p>
+            <a:pPr algn="ctr"/>
+            <a:r>
+              <a:rPr lang="en-US" sz="2800" dirty="0"/>
+              <a:t>ivan</a:t>
+            </a:r>
+            <a:r>
+              <a:rPr lang="bg-BG" sz="2800" dirty="0"/>
+              <a:t> </a:t>
+            </a:r>
+            <a:endParaRPr lang="en-US" sz="2800" dirty="0"/>
+          </a:p>
+          <a:p>
+            <a:pPr algn="ctr"/>
+            <a:r>
+              <a:rPr lang="en-US" sz="2800" dirty="0"/>
+              <a:t>gosho</a:t>
+            </a:r>
+          </a:p>
+          <a:p>
+            <a:pPr algn="ctr"/>
+            <a:r>
+              <a:rPr lang="en-US" sz="2800" dirty="0"/>
+              <a:t>pesho</a:t>
+            </a:r>
+          </a:p>
+        </p:txBody>
+      </p:sp>
+      <p:cxnSp>
+        <p:nvCxnSpPr>
+          <p:cNvPr id="9" name="Straight Arrow Connector 8"/>
+          <p:cNvCxnSpPr>
+            <a:endCxn id="18" idx="1"/>
+          </p:cNvCxnSpPr>
+          <p:nvPr/>
+        </p:nvCxnSpPr>
+        <p:spPr>
+          <a:xfrm>
+            <a:off x="4265612" y="2514600"/>
+            <a:ext cx="2743200" cy="505599"/>
+          </a:xfrm>
+          <a:prstGeom prst="straightConnector1">
+            <a:avLst/>
+          </a:prstGeom>
+          <a:ln w="25400">
+            <a:tailEnd type="triangle"/>
+          </a:ln>
+        </p:spPr>
+        <p:style>
+          <a:lnRef idx="1">
+            <a:schemeClr val="accent1"/>
+          </a:lnRef>
+          <a:fillRef idx="0">
+            <a:schemeClr val="accent1"/>
+          </a:fillRef>
+          <a:effectRef idx="0">
+            <a:schemeClr val="accent1"/>
+          </a:effectRef>
+          <a:fontRef idx="minor">
+            <a:schemeClr val="tx1"/>
+          </a:fontRef>
+        </p:style>
+      </p:cxnSp>
+      <p:cxnSp>
+        <p:nvCxnSpPr>
+          <p:cNvPr id="10" name="Straight Arrow Connector 9"/>
+          <p:cNvCxnSpPr>
+            <a:endCxn id="19" idx="1"/>
+          </p:cNvCxnSpPr>
+          <p:nvPr/>
+        </p:nvCxnSpPr>
+        <p:spPr>
+          <a:xfrm>
+            <a:off x="4265612" y="2916997"/>
+            <a:ext cx="2743200" cy="655652"/>
+          </a:xfrm>
+          <a:prstGeom prst="straightConnector1">
+            <a:avLst/>
+          </a:prstGeom>
+          <a:ln w="25400">
+            <a:tailEnd type="triangle"/>
+          </a:ln>
+        </p:spPr>
+        <p:style>
+          <a:lnRef idx="1">
+            <a:schemeClr val="accent1"/>
+          </a:lnRef>
+          <a:fillRef idx="0">
+            <a:schemeClr val="accent1"/>
+          </a:fillRef>
+          <a:effectRef idx="0">
+            <a:schemeClr val="accent1"/>
+          </a:effectRef>
+          <a:fontRef idx="minor">
+            <a:schemeClr val="tx1"/>
+          </a:fontRef>
+        </p:style>
+      </p:cxnSp>
+      <p:cxnSp>
+        <p:nvCxnSpPr>
+          <p:cNvPr id="11" name="Straight Arrow Connector 10"/>
+          <p:cNvCxnSpPr>
+            <a:cxnSpLocks/>
+            <a:endCxn id="17" idx="1"/>
+          </p:cNvCxnSpPr>
+          <p:nvPr/>
+        </p:nvCxnSpPr>
+        <p:spPr>
+          <a:xfrm flipV="1">
+            <a:off x="4265612" y="2466201"/>
+            <a:ext cx="2743200" cy="829449"/>
+          </a:xfrm>
+          <a:prstGeom prst="straightConnector1">
+            <a:avLst/>
+          </a:prstGeom>
+          <a:ln w="25400">
+            <a:tailEnd type="triangle"/>
+          </a:ln>
+        </p:spPr>
+        <p:style>
+          <a:lnRef idx="1">
+            <a:schemeClr val="accent1"/>
+          </a:lnRef>
+          <a:fillRef idx="0">
+            <a:schemeClr val="accent1"/>
+          </a:fillRef>
+          <a:effectRef idx="0">
+            <a:schemeClr val="accent1"/>
+          </a:effectRef>
+          <a:fontRef idx="minor">
+            <a:schemeClr val="tx1"/>
+          </a:fontRef>
+        </p:style>
+      </p:cxnSp>
+      <p:sp>
+        <p:nvSpPr>
+          <p:cNvPr id="17" name="Text Placeholder 7"/>
+          <p:cNvSpPr txBox="1">
+            <a:spLocks/>
+          </p:cNvSpPr>
+          <p:nvPr/>
+        </p:nvSpPr>
+        <p:spPr>
+          <a:xfrm>
+            <a:off x="7008812" y="2189202"/>
+            <a:ext cx="2743199" cy="553998"/>
+          </a:xfrm>
+          <a:prstGeom prst="rect">
+            <a:avLst/>
+          </a:prstGeom>
+          <a:solidFill>
+            <a:schemeClr val="accent5">
+              <a:lumMod val="40000"/>
+              <a:lumOff val="60000"/>
+              <a:alpha val="15000"/>
+            </a:schemeClr>
+          </a:solidFill>
+          <a:ln w="12700">
+            <a:solidFill>
+              <a:schemeClr val="accent5">
+                <a:lumMod val="60000"/>
+                <a:lumOff val="40000"/>
+              </a:schemeClr>
+            </a:solidFill>
+          </a:ln>
+        </p:spPr>
+        <p:txBody>
+          <a:bodyPr vert="horz" wrap="square" lIns="180000" tIns="91440" rIns="180000" bIns="91440" rtlCol="0">
+            <a:spAutoFit/>
+          </a:bodyPr>
+          <a:lstStyle>
+            <a:defPPr>
+              <a:defRPr lang="en-US"/>
+            </a:defPPr>
+            <a:lvl1pPr marL="0" algn="l" defTabSz="1218987" rtl="0" eaLnBrk="1" latinLnBrk="0" hangingPunct="1">
+              <a:defRPr sz="2400" kern="1200">
+                <a:solidFill>
+                  <a:schemeClr val="tx1"/>
+                </a:solidFill>
+                <a:latin typeface="+mn-lt"/>
+                <a:ea typeface="+mn-ea"/>
+                <a:cs typeface="+mn-cs"/>
+              </a:defRPr>
+            </a:lvl1pPr>
+            <a:lvl2pPr marL="609493" algn="l" defTabSz="1218987" rtl="0" eaLnBrk="1" latinLnBrk="0" hangingPunct="1">
+              <a:defRPr sz="2400" kern="1200">
+                <a:solidFill>
+                  <a:schemeClr val="tx1"/>
+                </a:solidFill>
+                <a:latin typeface="+mn-lt"/>
+                <a:ea typeface="+mn-ea"/>
+                <a:cs typeface="+mn-cs"/>
+              </a:defRPr>
+            </a:lvl2pPr>
+            <a:lvl3pPr marL="1218987" algn="l" defTabSz="1218987" rtl="0" eaLnBrk="1" latinLnBrk="0" hangingPunct="1">
+              <a:defRPr sz="2400" kern="1200">
+                <a:solidFill>
+                  <a:schemeClr val="tx1"/>
+                </a:solidFill>
+                <a:latin typeface="+mn-lt"/>
+                <a:ea typeface="+mn-ea"/>
+                <a:cs typeface="+mn-cs"/>
+              </a:defRPr>
+            </a:lvl3pPr>
+            <a:lvl4pPr marL="1828480" algn="l" defTabSz="1218987" rtl="0" eaLnBrk="1" latinLnBrk="0" hangingPunct="1">
+              <a:defRPr sz="2400" kern="1200">
+                <a:solidFill>
+                  <a:schemeClr val="tx1"/>
+                </a:solidFill>
+                <a:latin typeface="+mn-lt"/>
+                <a:ea typeface="+mn-ea"/>
+                <a:cs typeface="+mn-cs"/>
+              </a:defRPr>
+            </a:lvl4pPr>
+            <a:lvl5pPr marL="2437973" algn="l" defTabSz="1218987" rtl="0" eaLnBrk="1" latinLnBrk="0" hangingPunct="1">
+              <a:defRPr sz="2400" kern="1200">
+                <a:solidFill>
+                  <a:schemeClr val="tx1"/>
+                </a:solidFill>
+                <a:latin typeface="+mn-lt"/>
+                <a:ea typeface="+mn-ea"/>
+                <a:cs typeface="+mn-cs"/>
+              </a:defRPr>
+            </a:lvl5pPr>
+            <a:lvl6pPr marL="3047467" algn="l" defTabSz="1218987" rtl="0" eaLnBrk="1" latinLnBrk="0" hangingPunct="1">
+              <a:defRPr sz="2400" kern="1200">
+                <a:solidFill>
+                  <a:schemeClr val="tx1"/>
+                </a:solidFill>
+                <a:latin typeface="+mn-lt"/>
+                <a:ea typeface="+mn-ea"/>
+                <a:cs typeface="+mn-cs"/>
+              </a:defRPr>
+            </a:lvl6pPr>
+            <a:lvl7pPr marL="3656960" algn="l" defTabSz="1218987" rtl="0" eaLnBrk="1" latinLnBrk="0" hangingPunct="1">
+              <a:defRPr sz="2400" kern="1200">
+                <a:solidFill>
+                  <a:schemeClr val="tx1"/>
+                </a:solidFill>
+                <a:latin typeface="+mn-lt"/>
+                <a:ea typeface="+mn-ea"/>
+                <a:cs typeface="+mn-cs"/>
+              </a:defRPr>
+            </a:lvl7pPr>
+            <a:lvl8pPr marL="4266453" algn="l" defTabSz="1218987" rtl="0" eaLnBrk="1" latinLnBrk="0" hangingPunct="1">
+              <a:defRPr sz="2400" kern="1200">
+                <a:solidFill>
+                  <a:schemeClr val="tx1"/>
+                </a:solidFill>
+                <a:latin typeface="+mn-lt"/>
+                <a:ea typeface="+mn-ea"/>
+                <a:cs typeface="+mn-cs"/>
+              </a:defRPr>
+            </a:lvl8pPr>
+            <a:lvl9pPr marL="4875947" algn="l" defTabSz="1218987" rtl="0" eaLnBrk="1" latinLnBrk="0" hangingPunct="1">
+              <a:defRPr sz="2400" kern="1200">
+                <a:solidFill>
+                  <a:schemeClr val="tx1"/>
+                </a:solidFill>
+                <a:latin typeface="+mn-lt"/>
+                <a:ea typeface="+mn-ea"/>
+                <a:cs typeface="+mn-cs"/>
+              </a:defRPr>
+            </a:lvl9pPr>
+          </a:lstStyle>
+          <a:p>
+            <a:pPr algn="ctr"/>
+            <a:r>
+              <a:rPr lang="bg-BG" noProof="1"/>
+              <a:t>0845-346-356</a:t>
+            </a:r>
+            <a:endParaRPr lang="en-US" noProof="1"/>
+          </a:p>
+        </p:txBody>
+      </p:sp>
+      <p:sp>
+        <p:nvSpPr>
+          <p:cNvPr id="18" name="Text Placeholder 7"/>
+          <p:cNvSpPr txBox="1">
+            <a:spLocks/>
+          </p:cNvSpPr>
+          <p:nvPr/>
+        </p:nvSpPr>
+        <p:spPr>
+          <a:xfrm>
+            <a:off x="7008812" y="2743200"/>
+            <a:ext cx="2743199" cy="553998"/>
+          </a:xfrm>
+          <a:prstGeom prst="rect">
+            <a:avLst/>
+          </a:prstGeom>
+          <a:solidFill>
+            <a:schemeClr val="accent5">
+              <a:lumMod val="40000"/>
+              <a:lumOff val="60000"/>
+              <a:alpha val="15000"/>
+            </a:schemeClr>
+          </a:solidFill>
+          <a:ln w="12700">
+            <a:solidFill>
+              <a:schemeClr val="accent5">
+                <a:lumMod val="60000"/>
+                <a:lumOff val="40000"/>
+              </a:schemeClr>
+            </a:solidFill>
+          </a:ln>
+        </p:spPr>
+        <p:txBody>
+          <a:bodyPr vert="horz" wrap="square" lIns="180000" tIns="91440" rIns="180000" bIns="91440" rtlCol="0">
+            <a:spAutoFit/>
+          </a:bodyPr>
+          <a:lstStyle>
+            <a:defPPr>
+              <a:defRPr lang="en-US"/>
+            </a:defPPr>
+            <a:lvl1pPr marL="0" algn="l" defTabSz="1218987" rtl="0" eaLnBrk="1" latinLnBrk="0" hangingPunct="1">
+              <a:defRPr sz="2400" kern="1200">
+                <a:solidFill>
+                  <a:schemeClr val="tx1"/>
+                </a:solidFill>
+                <a:latin typeface="+mn-lt"/>
+                <a:ea typeface="+mn-ea"/>
+                <a:cs typeface="+mn-cs"/>
+              </a:defRPr>
+            </a:lvl1pPr>
+            <a:lvl2pPr marL="609493" algn="l" defTabSz="1218987" rtl="0" eaLnBrk="1" latinLnBrk="0" hangingPunct="1">
+              <a:defRPr sz="2400" kern="1200">
+                <a:solidFill>
+                  <a:schemeClr val="tx1"/>
+                </a:solidFill>
+                <a:latin typeface="+mn-lt"/>
+                <a:ea typeface="+mn-ea"/>
+                <a:cs typeface="+mn-cs"/>
+              </a:defRPr>
+            </a:lvl2pPr>
+            <a:lvl3pPr marL="1218987" algn="l" defTabSz="1218987" rtl="0" eaLnBrk="1" latinLnBrk="0" hangingPunct="1">
+              <a:defRPr sz="2400" kern="1200">
+                <a:solidFill>
+                  <a:schemeClr val="tx1"/>
+                </a:solidFill>
+                <a:latin typeface="+mn-lt"/>
+                <a:ea typeface="+mn-ea"/>
+                <a:cs typeface="+mn-cs"/>
+              </a:defRPr>
+            </a:lvl3pPr>
+            <a:lvl4pPr marL="1828480" algn="l" defTabSz="1218987" rtl="0" eaLnBrk="1" latinLnBrk="0" hangingPunct="1">
+              <a:defRPr sz="2400" kern="1200">
+                <a:solidFill>
+                  <a:schemeClr val="tx1"/>
+                </a:solidFill>
+                <a:latin typeface="+mn-lt"/>
+                <a:ea typeface="+mn-ea"/>
+                <a:cs typeface="+mn-cs"/>
+              </a:defRPr>
+            </a:lvl4pPr>
+            <a:lvl5pPr marL="2437973" algn="l" defTabSz="1218987" rtl="0" eaLnBrk="1" latinLnBrk="0" hangingPunct="1">
+              <a:defRPr sz="2400" kern="1200">
+                <a:solidFill>
+                  <a:schemeClr val="tx1"/>
+                </a:solidFill>
+                <a:latin typeface="+mn-lt"/>
+                <a:ea typeface="+mn-ea"/>
+                <a:cs typeface="+mn-cs"/>
+              </a:defRPr>
+            </a:lvl5pPr>
+            <a:lvl6pPr marL="3047467" algn="l" defTabSz="1218987" rtl="0" eaLnBrk="1" latinLnBrk="0" hangingPunct="1">
+              <a:defRPr sz="2400" kern="1200">
+                <a:solidFill>
+                  <a:schemeClr val="tx1"/>
+                </a:solidFill>
+                <a:latin typeface="+mn-lt"/>
+                <a:ea typeface="+mn-ea"/>
+                <a:cs typeface="+mn-cs"/>
+              </a:defRPr>
+            </a:lvl6pPr>
+            <a:lvl7pPr marL="3656960" algn="l" defTabSz="1218987" rtl="0" eaLnBrk="1" latinLnBrk="0" hangingPunct="1">
+              <a:defRPr sz="2400" kern="1200">
+                <a:solidFill>
+                  <a:schemeClr val="tx1"/>
+                </a:solidFill>
+                <a:latin typeface="+mn-lt"/>
+                <a:ea typeface="+mn-ea"/>
+                <a:cs typeface="+mn-cs"/>
+              </a:defRPr>
+            </a:lvl7pPr>
+            <a:lvl8pPr marL="4266453" algn="l" defTabSz="1218987" rtl="0" eaLnBrk="1" latinLnBrk="0" hangingPunct="1">
+              <a:defRPr sz="2400" kern="1200">
+                <a:solidFill>
+                  <a:schemeClr val="tx1"/>
+                </a:solidFill>
+                <a:latin typeface="+mn-lt"/>
+                <a:ea typeface="+mn-ea"/>
+                <a:cs typeface="+mn-cs"/>
+              </a:defRPr>
+            </a:lvl8pPr>
+            <a:lvl9pPr marL="4875947" algn="l" defTabSz="1218987" rtl="0" eaLnBrk="1" latinLnBrk="0" hangingPunct="1">
+              <a:defRPr sz="2400" kern="1200">
+                <a:solidFill>
+                  <a:schemeClr val="tx1"/>
+                </a:solidFill>
+                <a:latin typeface="+mn-lt"/>
+                <a:ea typeface="+mn-ea"/>
+                <a:cs typeface="+mn-cs"/>
+              </a:defRPr>
+            </a:lvl9pPr>
+          </a:lstStyle>
+          <a:p>
+            <a:pPr algn="ctr"/>
+            <a:r>
+              <a:rPr lang="bg-BG" noProof="1"/>
+              <a:t>2350-452-167</a:t>
+            </a:r>
+            <a:endParaRPr lang="en-US" noProof="1"/>
+          </a:p>
+        </p:txBody>
+      </p:sp>
+      <p:sp>
+        <p:nvSpPr>
+          <p:cNvPr id="19" name="Text Placeholder 7"/>
+          <p:cNvSpPr txBox="1">
+            <a:spLocks/>
+          </p:cNvSpPr>
+          <p:nvPr/>
+        </p:nvSpPr>
+        <p:spPr>
+          <a:xfrm>
+            <a:off x="7008812" y="3295650"/>
+            <a:ext cx="2743199" cy="553998"/>
+          </a:xfrm>
+          <a:prstGeom prst="rect">
+            <a:avLst/>
+          </a:prstGeom>
+          <a:solidFill>
+            <a:schemeClr val="accent5">
+              <a:lumMod val="40000"/>
+              <a:lumOff val="60000"/>
+              <a:alpha val="15000"/>
+            </a:schemeClr>
+          </a:solidFill>
+          <a:ln w="12700">
+            <a:solidFill>
+              <a:schemeClr val="accent5">
+                <a:lumMod val="60000"/>
+                <a:lumOff val="40000"/>
+              </a:schemeClr>
+            </a:solidFill>
+          </a:ln>
+        </p:spPr>
+        <p:txBody>
+          <a:bodyPr vert="horz" wrap="square" lIns="180000" tIns="91440" rIns="180000" bIns="91440" rtlCol="0">
+            <a:spAutoFit/>
+          </a:bodyPr>
+          <a:lstStyle>
+            <a:defPPr>
+              <a:defRPr lang="en-US"/>
+            </a:defPPr>
+            <a:lvl1pPr marL="0" algn="l" defTabSz="1218987" rtl="0" eaLnBrk="1" latinLnBrk="0" hangingPunct="1">
+              <a:defRPr sz="2400" kern="1200">
+                <a:solidFill>
+                  <a:schemeClr val="tx1"/>
+                </a:solidFill>
+                <a:latin typeface="+mn-lt"/>
+                <a:ea typeface="+mn-ea"/>
+                <a:cs typeface="+mn-cs"/>
+              </a:defRPr>
+            </a:lvl1pPr>
+            <a:lvl2pPr marL="609493" algn="l" defTabSz="1218987" rtl="0" eaLnBrk="1" latinLnBrk="0" hangingPunct="1">
+              <a:defRPr sz="2400" kern="1200">
+                <a:solidFill>
+                  <a:schemeClr val="tx1"/>
+                </a:solidFill>
+                <a:latin typeface="+mn-lt"/>
+                <a:ea typeface="+mn-ea"/>
+                <a:cs typeface="+mn-cs"/>
+              </a:defRPr>
+            </a:lvl2pPr>
+            <a:lvl3pPr marL="1218987" algn="l" defTabSz="1218987" rtl="0" eaLnBrk="1" latinLnBrk="0" hangingPunct="1">
+              <a:defRPr sz="2400" kern="1200">
+                <a:solidFill>
+                  <a:schemeClr val="tx1"/>
+                </a:solidFill>
+                <a:latin typeface="+mn-lt"/>
+                <a:ea typeface="+mn-ea"/>
+                <a:cs typeface="+mn-cs"/>
+              </a:defRPr>
+            </a:lvl3pPr>
+            <a:lvl4pPr marL="1828480" algn="l" defTabSz="1218987" rtl="0" eaLnBrk="1" latinLnBrk="0" hangingPunct="1">
+              <a:defRPr sz="2400" kern="1200">
+                <a:solidFill>
+                  <a:schemeClr val="tx1"/>
+                </a:solidFill>
+                <a:latin typeface="+mn-lt"/>
+                <a:ea typeface="+mn-ea"/>
+                <a:cs typeface="+mn-cs"/>
+              </a:defRPr>
+            </a:lvl4pPr>
+            <a:lvl5pPr marL="2437973" algn="l" defTabSz="1218987" rtl="0" eaLnBrk="1" latinLnBrk="0" hangingPunct="1">
+              <a:defRPr sz="2400" kern="1200">
+                <a:solidFill>
+                  <a:schemeClr val="tx1"/>
+                </a:solidFill>
+                <a:latin typeface="+mn-lt"/>
+                <a:ea typeface="+mn-ea"/>
+                <a:cs typeface="+mn-cs"/>
+              </a:defRPr>
+            </a:lvl5pPr>
+            <a:lvl6pPr marL="3047467" algn="l" defTabSz="1218987" rtl="0" eaLnBrk="1" latinLnBrk="0" hangingPunct="1">
+              <a:defRPr sz="2400" kern="1200">
+                <a:solidFill>
+                  <a:schemeClr val="tx1"/>
+                </a:solidFill>
+                <a:latin typeface="+mn-lt"/>
+                <a:ea typeface="+mn-ea"/>
+                <a:cs typeface="+mn-cs"/>
+              </a:defRPr>
+            </a:lvl6pPr>
+            <a:lvl7pPr marL="3656960" algn="l" defTabSz="1218987" rtl="0" eaLnBrk="1" latinLnBrk="0" hangingPunct="1">
+              <a:defRPr sz="2400" kern="1200">
+                <a:solidFill>
+                  <a:schemeClr val="tx1"/>
+                </a:solidFill>
+                <a:latin typeface="+mn-lt"/>
+                <a:ea typeface="+mn-ea"/>
+                <a:cs typeface="+mn-cs"/>
+              </a:defRPr>
+            </a:lvl7pPr>
+            <a:lvl8pPr marL="4266453" algn="l" defTabSz="1218987" rtl="0" eaLnBrk="1" latinLnBrk="0" hangingPunct="1">
+              <a:defRPr sz="2400" kern="1200">
+                <a:solidFill>
+                  <a:schemeClr val="tx1"/>
+                </a:solidFill>
+                <a:latin typeface="+mn-lt"/>
+                <a:ea typeface="+mn-ea"/>
+                <a:cs typeface="+mn-cs"/>
+              </a:defRPr>
+            </a:lvl8pPr>
+            <a:lvl9pPr marL="4875947" algn="l" defTabSz="1218987" rtl="0" eaLnBrk="1" latinLnBrk="0" hangingPunct="1">
+              <a:defRPr sz="2400" kern="1200">
+                <a:solidFill>
+                  <a:schemeClr val="tx1"/>
+                </a:solidFill>
+                <a:latin typeface="+mn-lt"/>
+                <a:ea typeface="+mn-ea"/>
+                <a:cs typeface="+mn-cs"/>
+              </a:defRPr>
+            </a:lvl9pPr>
+          </a:lstStyle>
+          <a:p>
+            <a:pPr algn="ctr"/>
+            <a:r>
+              <a:rPr lang="bg-BG" noProof="1"/>
+              <a:t>1255-377-131</a:t>
+            </a:r>
+            <a:endParaRPr lang="en-US" noProof="1"/>
+          </a:p>
+        </p:txBody>
+      </p:sp>
+    </p:spTree>
+    <p:extLst>
+      <p:ext uri="{BB962C8B-B14F-4D97-AF65-F5344CB8AC3E}">
+        <p14:creationId xmlns:p14="http://schemas.microsoft.com/office/powerpoint/2010/main" val="1806847456"/>
+      </p:ext>
+    </p:extLst>
+  </p:cSld>
+  <p:clrMapOvr>
+    <a:masterClrMapping/>
+  </p:clrMapOvr>
+  <mc:AlternateContent xmlns:mc="http://schemas.openxmlformats.org/markup-compatibility/2006" xmlns:p14="http://schemas.microsoft.com/office/powerpoint/2010/main">
+    <mc:Choice Requires="p14">
+      <p:transition p14:dur="10"/>
+    </mc:Choice>
+    <mc:Fallback xmlns="">
+      <p:transition/>
+    </mc:Fallback>
+  </mc:AlternateContent>
+</p:sld>
+</file>
+
+<file path=ppt/slides/slide20.xml><?xml version="1.0" encoding="utf-8"?>
 <p:sld xmlns:a="http://schemas.openxmlformats.org/drawingml/2006/main" xmlns:r="http://schemas.openxmlformats.org/officeDocument/2006/relationships" xmlns:p="http://schemas.openxmlformats.org/presentationml/2006/main">
   <p:cSld>
     <p:spTree>
@@ -21901,7 +21487,7 @@
             <a:fld id="{C014DD1E-5D91-48A3-AD6D-45FBA980D106}" type="slidenum">
               <a:rPr lang="en-US" smtClean="0"/>
               <a:pPr/>
-              <a:t>21</a:t>
+              <a:t>20</a:t>
             </a:fld>
             <a:endParaRPr lang="en-US" dirty="0"/>
           </a:p>
@@ -22320,7 +21906,7 @@
 </p:sld>
 </file>
 
-<file path=ppt/slides/slide22.xml><?xml version="1.0" encoding="utf-8"?>
+<file path=ppt/slides/slide21.xml><?xml version="1.0" encoding="utf-8"?>
 <p:sld xmlns:a="http://schemas.openxmlformats.org/drawingml/2006/main" xmlns:r="http://schemas.openxmlformats.org/officeDocument/2006/relationships" xmlns:p="http://schemas.openxmlformats.org/presentationml/2006/main">
   <p:cSld>
     <p:spTree>
@@ -22355,7 +21941,7 @@
             <a:fld id="{C014DD1E-5D91-48A3-AD6D-45FBA980D106}" type="slidenum">
               <a:rPr lang="en-US" smtClean="0"/>
               <a:pPr/>
-              <a:t>22</a:t>
+              <a:t>21</a:t>
             </a:fld>
             <a:endParaRPr lang="en-US" dirty="0"/>
           </a:p>
@@ -23088,7 +22674,7 @@
 </p:sld>
 </file>
 
-<file path=ppt/slides/slide23.xml><?xml version="1.0" encoding="utf-8"?>
+<file path=ppt/slides/slide22.xml><?xml version="1.0" encoding="utf-8"?>
 <p:sld xmlns:a="http://schemas.openxmlformats.org/drawingml/2006/main" xmlns:r="http://schemas.openxmlformats.org/officeDocument/2006/relationships" xmlns:p="http://schemas.openxmlformats.org/presentationml/2006/main">
   <p:cSld>
     <p:spTree>
@@ -23123,7 +22709,7 @@
             <a:fld id="{C014DD1E-5D91-48A3-AD6D-45FBA980D106}" type="slidenum">
               <a:rPr lang="en-US" smtClean="0"/>
               <a:pPr/>
-              <a:t>23</a:t>
+              <a:t>22</a:t>
             </a:fld>
             <a:endParaRPr lang="en-US" dirty="0"/>
           </a:p>
@@ -23565,7 +23151,7 @@
 </p:sld>
 </file>
 
-<file path=ppt/slides/slide24.xml><?xml version="1.0" encoding="utf-8"?>
+<file path=ppt/slides/slide23.xml><?xml version="1.0" encoding="utf-8"?>
 <p:sld xmlns:a="http://schemas.openxmlformats.org/drawingml/2006/main" xmlns:r="http://schemas.openxmlformats.org/officeDocument/2006/relationships" xmlns:p="http://schemas.openxmlformats.org/presentationml/2006/main">
   <p:cSld>
     <p:spTree>
@@ -23600,7 +23186,7 @@
             <a:fld id="{C014DD1E-5D91-48A3-AD6D-45FBA980D106}" type="slidenum">
               <a:rPr lang="en-US" smtClean="0"/>
               <a:pPr/>
-              <a:t>24</a:t>
+              <a:t>23</a:t>
             </a:fld>
             <a:endParaRPr lang="en-US" dirty="0"/>
           </a:p>
@@ -23978,7 +23564,7 @@
 </p:sld>
 </file>
 
-<file path=ppt/slides/slide25.xml><?xml version="1.0" encoding="utf-8"?>
+<file path=ppt/slides/slide24.xml><?xml version="1.0" encoding="utf-8"?>
 <p:sld xmlns:a="http://schemas.openxmlformats.org/drawingml/2006/main" xmlns:r="http://schemas.openxmlformats.org/officeDocument/2006/relationships" xmlns:p="http://schemas.openxmlformats.org/presentationml/2006/main">
   <p:cSld>
     <p:spTree>
@@ -24013,7 +23599,7 @@
             <a:fld id="{C014DD1E-5D91-48A3-AD6D-45FBA980D106}" type="slidenum">
               <a:rPr lang="en-US" smtClean="0"/>
               <a:pPr/>
-              <a:t>25</a:t>
+              <a:t>24</a:t>
             </a:fld>
             <a:endParaRPr lang="en-US" dirty="0"/>
           </a:p>
@@ -24426,7 +24012,7 @@
 </p:sld>
 </file>
 
-<file path=ppt/slides/slide26.xml><?xml version="1.0" encoding="utf-8"?>
+<file path=ppt/slides/slide25.xml><?xml version="1.0" encoding="utf-8"?>
 <p:sld xmlns:a="http://schemas.openxmlformats.org/drawingml/2006/main" xmlns:r="http://schemas.openxmlformats.org/officeDocument/2006/relationships" xmlns:p="http://schemas.openxmlformats.org/presentationml/2006/main">
   <p:cSld>
     <p:spTree>
@@ -24461,7 +24047,7 @@
             <a:fld id="{C014DD1E-5D91-48A3-AD6D-45FBA980D106}" type="slidenum">
               <a:rPr lang="en-US" smtClean="0"/>
               <a:pPr/>
-              <a:t>26</a:t>
+              <a:t>25</a:t>
             </a:fld>
             <a:endParaRPr lang="en-US" dirty="0"/>
           </a:p>
@@ -25251,7 +24837,7 @@
 </p:sld>
 </file>
 
-<file path=ppt/slides/slide27.xml><?xml version="1.0" encoding="utf-8"?>
+<file path=ppt/slides/slide26.xml><?xml version="1.0" encoding="utf-8"?>
 <p:sld xmlns:a="http://schemas.openxmlformats.org/drawingml/2006/main" xmlns:r="http://schemas.openxmlformats.org/officeDocument/2006/relationships" xmlns:p="http://schemas.openxmlformats.org/presentationml/2006/main">
   <p:cSld>
     <p:spTree>
@@ -25286,7 +24872,7 @@
             <a:fld id="{C014DD1E-5D91-48A3-AD6D-45FBA980D106}" type="slidenum">
               <a:rPr lang="en-US" smtClean="0"/>
               <a:pPr/>
-              <a:t>27</a:t>
+              <a:t>26</a:t>
             </a:fld>
             <a:endParaRPr lang="en-US" dirty="0"/>
           </a:p>
@@ -25763,7 +25349,7 @@
 </p:sld>
 </file>
 
-<file path=ppt/slides/slide28.xml><?xml version="1.0" encoding="utf-8"?>
+<file path=ppt/slides/slide27.xml><?xml version="1.0" encoding="utf-8"?>
 <p:sld xmlns:a="http://schemas.openxmlformats.org/drawingml/2006/main" xmlns:r="http://schemas.openxmlformats.org/officeDocument/2006/relationships" xmlns:p="http://schemas.openxmlformats.org/presentationml/2006/main">
   <p:cSld>
     <p:spTree>
@@ -25807,7 +25393,7 @@
               <a:pPr>
                 <a:defRPr/>
               </a:pPr>
-              <a:t>28</a:t>
+              <a:t>27</a:t>
             </a:fld>
             <a:endParaRPr lang="en-US" dirty="0"/>
           </a:p>
@@ -26424,7 +26010,7 @@
 </p:sld>
 </file>
 
-<file path=ppt/slides/slide29.xml><?xml version="1.0" encoding="utf-8"?>
+<file path=ppt/slides/slide28.xml><?xml version="1.0" encoding="utf-8"?>
 <p:sld xmlns:a="http://schemas.openxmlformats.org/drawingml/2006/main" xmlns:r="http://schemas.openxmlformats.org/officeDocument/2006/relationships" xmlns:p="http://schemas.openxmlformats.org/presentationml/2006/main">
   <p:cSld>
     <p:spTree>
@@ -26459,7 +26045,7 @@
             <a:fld id="{C014DD1E-5D91-48A3-AD6D-45FBA980D106}" type="slidenum">
               <a:rPr lang="en-US" smtClean="0"/>
               <a:pPr/>
-              <a:t>29</a:t>
+              <a:t>28</a:t>
             </a:fld>
             <a:endParaRPr lang="en-US" dirty="0"/>
           </a:p>
@@ -28031,6 +27617,432 @@
       <p:bldP spid="25" grpId="0" animBg="1"/>
       <p:bldP spid="26" grpId="0" animBg="1"/>
       <p:bldP spid="27" grpId="0" animBg="1"/>
+    </p:bldLst>
+  </p:timing>
+</p:sld>
+</file>
+
+<file path=ppt/slides/slide29.xml><?xml version="1.0" encoding="utf-8"?>
+<p:sld xmlns:a="http://schemas.openxmlformats.org/drawingml/2006/main" xmlns:r="http://schemas.openxmlformats.org/officeDocument/2006/relationships" xmlns:p="http://schemas.openxmlformats.org/presentationml/2006/main">
+  <p:cSld>
+    <p:spTree>
+      <p:nvGrpSpPr>
+        <p:cNvPr id="1" name=""/>
+        <p:cNvGrpSpPr/>
+        <p:nvPr/>
+      </p:nvGrpSpPr>
+      <p:grpSpPr>
+        <a:xfrm>
+          <a:off x="0" y="0"/>
+          <a:ext cx="0" cy="0"/>
+          <a:chOff x="0" y="0"/>
+          <a:chExt cx="0" cy="0"/>
+        </a:xfrm>
+      </p:grpSpPr>
+      <p:sp>
+        <p:nvSpPr>
+          <p:cNvPr id="2" name="Slide Number Placeholder 1"/>
+          <p:cNvSpPr>
+            <a:spLocks noGrp="1"/>
+          </p:cNvSpPr>
+          <p:nvPr>
+            <p:ph type="sldNum" sz="quarter" idx="4"/>
+          </p:nvPr>
+        </p:nvSpPr>
+        <p:spPr/>
+        <p:txBody>
+          <a:bodyPr/>
+          <a:lstStyle/>
+          <a:p>
+            <a:fld id="{C014DD1E-5D91-48A3-AD6D-45FBA980D106}" type="slidenum">
+              <a:rPr lang="en-US" smtClean="0"/>
+              <a:pPr/>
+              <a:t>29</a:t>
+            </a:fld>
+            <a:endParaRPr lang="en-US" dirty="0"/>
+          </a:p>
+        </p:txBody>
+      </p:sp>
+      <p:sp>
+        <p:nvSpPr>
+          <p:cNvPr id="4" name="Title 3"/>
+          <p:cNvSpPr>
+            <a:spLocks noGrp="1"/>
+          </p:cNvSpPr>
+          <p:nvPr>
+            <p:ph type="title"/>
+          </p:nvPr>
+        </p:nvSpPr>
+        <p:spPr/>
+        <p:txBody>
+          <a:bodyPr/>
+          <a:lstStyle/>
+          <a:p>
+            <a:r>
+              <a:rPr lang="en-US" dirty="0"/>
+              <a:t>Filter Collections</a:t>
+            </a:r>
+            <a:endParaRPr lang="bg-BG" dirty="0"/>
+          </a:p>
+        </p:txBody>
+      </p:sp>
+      <p:sp>
+        <p:nvSpPr>
+          <p:cNvPr id="5" name="Content Placeholder 4"/>
+          <p:cNvSpPr>
+            <a:spLocks noGrp="1"/>
+          </p:cNvSpPr>
+          <p:nvPr>
+            <p:ph idx="1"/>
+          </p:nvPr>
+        </p:nvSpPr>
+        <p:spPr/>
+        <p:txBody>
+          <a:bodyPr/>
+          <a:lstStyle/>
+          <a:p>
+            <a:r>
+              <a:rPr lang="en-US" dirty="0"/>
+              <a:t>Using </a:t>
+            </a:r>
+            <a:r>
+              <a:rPr lang="en-US" b="1" dirty="0">
+                <a:solidFill>
+                  <a:schemeClr val="tx2">
+                    <a:lumMod val="75000"/>
+                  </a:schemeClr>
+                </a:solidFill>
+                <a:latin typeface="Consolas" panose="020B0609020204030204" pitchFamily="49" charset="0"/>
+              </a:rPr>
+              <a:t>Where()</a:t>
+            </a:r>
+            <a:r>
+              <a:rPr lang="en-US" dirty="0"/>
+              <a:t>, </a:t>
+            </a:r>
+            <a:r>
+              <a:rPr lang="en-US" b="1" dirty="0">
+                <a:solidFill>
+                  <a:schemeClr val="tx2">
+                    <a:lumMod val="75000"/>
+                  </a:schemeClr>
+                </a:solidFill>
+                <a:latin typeface="Consolas" panose="020B0609020204030204" pitchFamily="49" charset="0"/>
+              </a:rPr>
+              <a:t>Count()</a:t>
+            </a:r>
+            <a:r>
+              <a:rPr lang="en-US" dirty="0"/>
+              <a:t>:</a:t>
+            </a:r>
+          </a:p>
+          <a:p>
+            <a:endParaRPr lang="en-US" dirty="0"/>
+          </a:p>
+          <a:p>
+            <a:endParaRPr lang="en-US" dirty="0"/>
+          </a:p>
+          <a:p>
+            <a:endParaRPr lang="bg-BG" dirty="0"/>
+          </a:p>
+        </p:txBody>
+      </p:sp>
+      <p:sp>
+        <p:nvSpPr>
+          <p:cNvPr id="7" name="Content Placeholder 2"/>
+          <p:cNvSpPr txBox="1">
+            <a:spLocks/>
+          </p:cNvSpPr>
+          <p:nvPr/>
+        </p:nvSpPr>
+        <p:spPr>
+          <a:xfrm>
+            <a:off x="651724" y="1967358"/>
+            <a:ext cx="10882200" cy="2453730"/>
+          </a:xfrm>
+          <a:prstGeom prst="rect">
+            <a:avLst/>
+          </a:prstGeom>
+          <a:solidFill>
+            <a:schemeClr val="accent5">
+              <a:lumMod val="40000"/>
+              <a:lumOff val="60000"/>
+              <a:alpha val="20000"/>
+            </a:schemeClr>
+          </a:solidFill>
+          <a:ln w="12700">
+            <a:solidFill>
+              <a:schemeClr val="accent5">
+                <a:lumMod val="60000"/>
+                <a:lumOff val="40000"/>
+              </a:schemeClr>
+            </a:solidFill>
+          </a:ln>
+        </p:spPr>
+        <p:txBody>
+          <a:bodyPr wrap="square" lIns="144000" tIns="72000" rIns="144000" bIns="72000">
+            <a:spAutoFit/>
+          </a:bodyPr>
+          <a:lstStyle>
+            <a:defPPr>
+              <a:defRPr lang="en-US"/>
+            </a:defPPr>
+            <a:lvl1pPr>
+              <a:buClr>
+                <a:srgbClr val="F2B254"/>
+              </a:buClr>
+              <a:buSzPct val="100000"/>
+              <a:defRPr sz="2800" b="1">
+                <a:solidFill>
+                  <a:srgbClr val="FBEEDC"/>
+                </a:solidFill>
+                <a:effectLst>
+                  <a:outerShdw blurRad="38100" dist="38100" dir="2700000" algn="tl">
+                    <a:srgbClr val="000000">
+                      <a:alpha val="43137"/>
+                    </a:srgbClr>
+                  </a:outerShdw>
+                </a:effectLst>
+                <a:latin typeface="Consolas" pitchFamily="49" charset="0"/>
+                <a:cs typeface="Consolas" pitchFamily="49" charset="0"/>
+              </a:defRPr>
+            </a:lvl1pPr>
+          </a:lstStyle>
+          <a:p>
+            <a:r>
+              <a:rPr lang="en-US" sz="3000" noProof="1"/>
+              <a:t>int[] nums = { 1, 2, 3, 4, 5, 6};</a:t>
+            </a:r>
+          </a:p>
+          <a:p>
+            <a:r>
+              <a:rPr lang="en-US" sz="3000" noProof="1"/>
+              <a:t>nums = nums</a:t>
+            </a:r>
+          </a:p>
+          <a:p>
+            <a:r>
+              <a:rPr lang="en-US" sz="3000" noProof="1"/>
+              <a:t>  .</a:t>
+            </a:r>
+            <a:r>
+              <a:rPr lang="en-US" sz="3000" noProof="1">
+                <a:solidFill>
+                  <a:schemeClr val="tx2">
+                    <a:lumMod val="75000"/>
+                  </a:schemeClr>
+                </a:solidFill>
+              </a:rPr>
+              <a:t>Where</a:t>
+            </a:r>
+            <a:r>
+              <a:rPr lang="en-US" sz="3000" noProof="1"/>
+              <a:t>(num =&gt; num % 2 == 0)</a:t>
+            </a:r>
+          </a:p>
+          <a:p>
+            <a:r>
+              <a:rPr lang="en-US" sz="3000" noProof="1"/>
+              <a:t>  .ToArray(); </a:t>
+            </a:r>
+          </a:p>
+          <a:p>
+            <a:r>
+              <a:rPr lang="en-US" sz="3000" noProof="1">
+                <a:solidFill>
+                  <a:srgbClr val="BAB398"/>
+                </a:solidFill>
+              </a:rPr>
+              <a:t>// nums = [2, 4, 6]</a:t>
+            </a:r>
+          </a:p>
+        </p:txBody>
+      </p:sp>
+      <p:sp>
+        <p:nvSpPr>
+          <p:cNvPr id="8" name="Content Placeholder 2"/>
+          <p:cNvSpPr txBox="1">
+            <a:spLocks/>
+          </p:cNvSpPr>
+          <p:nvPr/>
+        </p:nvSpPr>
+        <p:spPr>
+          <a:xfrm>
+            <a:off x="651724" y="4724400"/>
+            <a:ext cx="10882200" cy="1530401"/>
+          </a:xfrm>
+          <a:prstGeom prst="rect">
+            <a:avLst/>
+          </a:prstGeom>
+          <a:solidFill>
+            <a:schemeClr val="accent5">
+              <a:lumMod val="40000"/>
+              <a:lumOff val="60000"/>
+              <a:alpha val="20000"/>
+            </a:schemeClr>
+          </a:solidFill>
+          <a:ln w="12700">
+            <a:solidFill>
+              <a:schemeClr val="accent5">
+                <a:lumMod val="60000"/>
+                <a:lumOff val="40000"/>
+              </a:schemeClr>
+            </a:solidFill>
+          </a:ln>
+        </p:spPr>
+        <p:txBody>
+          <a:bodyPr wrap="square" lIns="144000" tIns="72000" rIns="144000" bIns="72000">
+            <a:spAutoFit/>
+          </a:bodyPr>
+          <a:lstStyle>
+            <a:defPPr>
+              <a:defRPr lang="en-US"/>
+            </a:defPPr>
+            <a:lvl1pPr>
+              <a:buClr>
+                <a:srgbClr val="F2B254"/>
+              </a:buClr>
+              <a:buSzPct val="100000"/>
+              <a:defRPr sz="2800" b="1">
+                <a:solidFill>
+                  <a:srgbClr val="FBEEDC"/>
+                </a:solidFill>
+                <a:effectLst>
+                  <a:outerShdw blurRad="38100" dist="38100" dir="2700000" algn="tl">
+                    <a:srgbClr val="000000">
+                      <a:alpha val="43137"/>
+                    </a:srgbClr>
+                  </a:outerShdw>
+                </a:effectLst>
+                <a:latin typeface="Consolas" pitchFamily="49" charset="0"/>
+                <a:cs typeface="Consolas" pitchFamily="49" charset="0"/>
+              </a:defRPr>
+            </a:lvl1pPr>
+          </a:lstStyle>
+          <a:p>
+            <a:r>
+              <a:rPr lang="en-US" sz="3000" noProof="1"/>
+              <a:t>int[] nums = { 1, 2, 3, 4, 5, 6};</a:t>
+            </a:r>
+          </a:p>
+          <a:p>
+            <a:r>
+              <a:rPr lang="en-US" sz="3000" noProof="1"/>
+              <a:t>int count = nums.</a:t>
+            </a:r>
+            <a:r>
+              <a:rPr lang="en-US" sz="3000" noProof="1">
+                <a:solidFill>
+                  <a:schemeClr val="tx2">
+                    <a:lumMod val="75000"/>
+                  </a:schemeClr>
+                </a:solidFill>
+              </a:rPr>
+              <a:t>Count</a:t>
+            </a:r>
+            <a:r>
+              <a:rPr lang="en-US" sz="3000" noProof="1"/>
+              <a:t>(num =&gt; num % 2 == 0); </a:t>
+            </a:r>
+          </a:p>
+          <a:p>
+            <a:r>
+              <a:rPr lang="en-US" sz="3000" noProof="1">
+                <a:solidFill>
+                  <a:srgbClr val="BAB398"/>
+                </a:solidFill>
+              </a:rPr>
+              <a:t>// count = 3</a:t>
+            </a:r>
+          </a:p>
+        </p:txBody>
+      </p:sp>
+    </p:spTree>
+    <p:extLst>
+      <p:ext uri="{BB962C8B-B14F-4D97-AF65-F5344CB8AC3E}">
+        <p14:creationId xmlns:p14="http://schemas.microsoft.com/office/powerpoint/2010/main" val="695954181"/>
+      </p:ext>
+    </p:extLst>
+  </p:cSld>
+  <p:clrMapOvr>
+    <a:masterClrMapping/>
+  </p:clrMapOvr>
+  <p:timing>
+    <p:tnLst>
+      <p:par>
+        <p:cTn id="1" dur="indefinite" restart="never" nodeType="tmRoot">
+          <p:childTnLst>
+            <p:seq concurrent="1" nextAc="seek">
+              <p:cTn id="2" dur="indefinite" nodeType="mainSeq">
+                <p:childTnLst>
+                  <p:par>
+                    <p:cTn id="3" fill="hold">
+                      <p:stCondLst>
+                        <p:cond delay="indefinite"/>
+                      </p:stCondLst>
+                      <p:childTnLst>
+                        <p:par>
+                          <p:cTn id="4" fill="hold">
+                            <p:stCondLst>
+                              <p:cond delay="0"/>
+                            </p:stCondLst>
+                            <p:childTnLst>
+                              <p:par>
+                                <p:cTn id="5" presetID="1" presetClass="entr" presetSubtype="0" fill="hold" grpId="0" nodeType="clickEffect">
+                                  <p:stCondLst>
+                                    <p:cond delay="0"/>
+                                  </p:stCondLst>
+                                  <p:childTnLst>
+                                    <p:set>
+                                      <p:cBhvr>
+                                        <p:cTn id="6" dur="1" fill="hold">
+                                          <p:stCondLst>
+                                            <p:cond delay="0"/>
+                                          </p:stCondLst>
+                                        </p:cTn>
+                                        <p:tgtEl>
+                                          <p:spTgt spid="8"/>
+                                        </p:tgtEl>
+                                        <p:attrNameLst>
+                                          <p:attrName>style.visibility</p:attrName>
+                                        </p:attrNameLst>
+                                      </p:cBhvr>
+                                      <p:to>
+                                        <p:strVal val="visible"/>
+                                      </p:to>
+                                    </p:set>
+                                  </p:childTnLst>
+                                </p:cTn>
+                              </p:par>
+                            </p:childTnLst>
+                          </p:cTn>
+                        </p:par>
+                      </p:childTnLst>
+                    </p:cTn>
+                  </p:par>
+                </p:childTnLst>
+              </p:cTn>
+              <p:prevCondLst>
+                <p:cond evt="onPrev" delay="0">
+                  <p:tgtEl>
+                    <p:sldTgt/>
+                  </p:tgtEl>
+                </p:cond>
+              </p:prevCondLst>
+              <p:nextCondLst>
+                <p:cond evt="onNext" delay="0">
+                  <p:tgtEl>
+                    <p:sldTgt/>
+                  </p:tgtEl>
+                </p:cond>
+              </p:nextCondLst>
+            </p:seq>
+          </p:childTnLst>
+        </p:cTn>
+      </p:par>
+    </p:tnLst>
+    <p:bldLst>
+      <p:bldP spid="8" grpId="0" animBg="1"/>
     </p:bldLst>
   </p:timing>
 </p:sld>
@@ -30459,432 +30471,6 @@
           <a:p>
             <a:r>
               <a:rPr lang="en-US" dirty="0"/>
-              <a:t>Filter Collections</a:t>
-            </a:r>
-            <a:endParaRPr lang="bg-BG" dirty="0"/>
-          </a:p>
-        </p:txBody>
-      </p:sp>
-      <p:sp>
-        <p:nvSpPr>
-          <p:cNvPr id="5" name="Content Placeholder 4"/>
-          <p:cNvSpPr>
-            <a:spLocks noGrp="1"/>
-          </p:cNvSpPr>
-          <p:nvPr>
-            <p:ph idx="1"/>
-          </p:nvPr>
-        </p:nvSpPr>
-        <p:spPr/>
-        <p:txBody>
-          <a:bodyPr/>
-          <a:lstStyle/>
-          <a:p>
-            <a:r>
-              <a:rPr lang="en-US" dirty="0"/>
-              <a:t>Using </a:t>
-            </a:r>
-            <a:r>
-              <a:rPr lang="en-US" b="1" dirty="0">
-                <a:solidFill>
-                  <a:schemeClr val="tx2">
-                    <a:lumMod val="75000"/>
-                  </a:schemeClr>
-                </a:solidFill>
-                <a:latin typeface="Consolas" panose="020B0609020204030204" pitchFamily="49" charset="0"/>
-              </a:rPr>
-              <a:t>Where()</a:t>
-            </a:r>
-            <a:r>
-              <a:rPr lang="en-US" dirty="0"/>
-              <a:t>, </a:t>
-            </a:r>
-            <a:r>
-              <a:rPr lang="en-US" b="1" dirty="0">
-                <a:solidFill>
-                  <a:schemeClr val="tx2">
-                    <a:lumMod val="75000"/>
-                  </a:schemeClr>
-                </a:solidFill>
-                <a:latin typeface="Consolas" panose="020B0609020204030204" pitchFamily="49" charset="0"/>
-              </a:rPr>
-              <a:t>Count()</a:t>
-            </a:r>
-            <a:r>
-              <a:rPr lang="en-US" dirty="0"/>
-              <a:t>:</a:t>
-            </a:r>
-          </a:p>
-          <a:p>
-            <a:endParaRPr lang="en-US" dirty="0"/>
-          </a:p>
-          <a:p>
-            <a:endParaRPr lang="en-US" dirty="0"/>
-          </a:p>
-          <a:p>
-            <a:endParaRPr lang="bg-BG" dirty="0"/>
-          </a:p>
-        </p:txBody>
-      </p:sp>
-      <p:sp>
-        <p:nvSpPr>
-          <p:cNvPr id="7" name="Content Placeholder 2"/>
-          <p:cNvSpPr txBox="1">
-            <a:spLocks/>
-          </p:cNvSpPr>
-          <p:nvPr/>
-        </p:nvSpPr>
-        <p:spPr>
-          <a:xfrm>
-            <a:off x="651724" y="1967358"/>
-            <a:ext cx="10882200" cy="2453730"/>
-          </a:xfrm>
-          <a:prstGeom prst="rect">
-            <a:avLst/>
-          </a:prstGeom>
-          <a:solidFill>
-            <a:schemeClr val="accent5">
-              <a:lumMod val="40000"/>
-              <a:lumOff val="60000"/>
-              <a:alpha val="20000"/>
-            </a:schemeClr>
-          </a:solidFill>
-          <a:ln w="12700">
-            <a:solidFill>
-              <a:schemeClr val="accent5">
-                <a:lumMod val="60000"/>
-                <a:lumOff val="40000"/>
-              </a:schemeClr>
-            </a:solidFill>
-          </a:ln>
-        </p:spPr>
-        <p:txBody>
-          <a:bodyPr wrap="square" lIns="144000" tIns="72000" rIns="144000" bIns="72000">
-            <a:spAutoFit/>
-          </a:bodyPr>
-          <a:lstStyle>
-            <a:defPPr>
-              <a:defRPr lang="en-US"/>
-            </a:defPPr>
-            <a:lvl1pPr>
-              <a:buClr>
-                <a:srgbClr val="F2B254"/>
-              </a:buClr>
-              <a:buSzPct val="100000"/>
-              <a:defRPr sz="2800" b="1">
-                <a:solidFill>
-                  <a:srgbClr val="FBEEDC"/>
-                </a:solidFill>
-                <a:effectLst>
-                  <a:outerShdw blurRad="38100" dist="38100" dir="2700000" algn="tl">
-                    <a:srgbClr val="000000">
-                      <a:alpha val="43137"/>
-                    </a:srgbClr>
-                  </a:outerShdw>
-                </a:effectLst>
-                <a:latin typeface="Consolas" pitchFamily="49" charset="0"/>
-                <a:cs typeface="Consolas" pitchFamily="49" charset="0"/>
-              </a:defRPr>
-            </a:lvl1pPr>
-          </a:lstStyle>
-          <a:p>
-            <a:r>
-              <a:rPr lang="en-US" sz="3000" noProof="1"/>
-              <a:t>int[] nums = { 1, 2, 3, 4, 5, 6};</a:t>
-            </a:r>
-          </a:p>
-          <a:p>
-            <a:r>
-              <a:rPr lang="en-US" sz="3000" noProof="1"/>
-              <a:t>nums = nums</a:t>
-            </a:r>
-          </a:p>
-          <a:p>
-            <a:r>
-              <a:rPr lang="en-US" sz="3000" noProof="1"/>
-              <a:t>  .</a:t>
-            </a:r>
-            <a:r>
-              <a:rPr lang="en-US" sz="3000" noProof="1">
-                <a:solidFill>
-                  <a:schemeClr val="tx2">
-                    <a:lumMod val="75000"/>
-                  </a:schemeClr>
-                </a:solidFill>
-              </a:rPr>
-              <a:t>Where</a:t>
-            </a:r>
-            <a:r>
-              <a:rPr lang="en-US" sz="3000" noProof="1"/>
-              <a:t>(num =&gt; num % 2 == 0)</a:t>
-            </a:r>
-          </a:p>
-          <a:p>
-            <a:r>
-              <a:rPr lang="en-US" sz="3000" noProof="1"/>
-              <a:t>  .ToArray(); </a:t>
-            </a:r>
-          </a:p>
-          <a:p>
-            <a:r>
-              <a:rPr lang="en-US" sz="3000" noProof="1">
-                <a:solidFill>
-                  <a:srgbClr val="BAB398"/>
-                </a:solidFill>
-              </a:rPr>
-              <a:t>// nums = [2, 4, 6]</a:t>
-            </a:r>
-          </a:p>
-        </p:txBody>
-      </p:sp>
-      <p:sp>
-        <p:nvSpPr>
-          <p:cNvPr id="8" name="Content Placeholder 2"/>
-          <p:cNvSpPr txBox="1">
-            <a:spLocks/>
-          </p:cNvSpPr>
-          <p:nvPr/>
-        </p:nvSpPr>
-        <p:spPr>
-          <a:xfrm>
-            <a:off x="651724" y="4724400"/>
-            <a:ext cx="10882200" cy="1530401"/>
-          </a:xfrm>
-          <a:prstGeom prst="rect">
-            <a:avLst/>
-          </a:prstGeom>
-          <a:solidFill>
-            <a:schemeClr val="accent5">
-              <a:lumMod val="40000"/>
-              <a:lumOff val="60000"/>
-              <a:alpha val="20000"/>
-            </a:schemeClr>
-          </a:solidFill>
-          <a:ln w="12700">
-            <a:solidFill>
-              <a:schemeClr val="accent5">
-                <a:lumMod val="60000"/>
-                <a:lumOff val="40000"/>
-              </a:schemeClr>
-            </a:solidFill>
-          </a:ln>
-        </p:spPr>
-        <p:txBody>
-          <a:bodyPr wrap="square" lIns="144000" tIns="72000" rIns="144000" bIns="72000">
-            <a:spAutoFit/>
-          </a:bodyPr>
-          <a:lstStyle>
-            <a:defPPr>
-              <a:defRPr lang="en-US"/>
-            </a:defPPr>
-            <a:lvl1pPr>
-              <a:buClr>
-                <a:srgbClr val="F2B254"/>
-              </a:buClr>
-              <a:buSzPct val="100000"/>
-              <a:defRPr sz="2800" b="1">
-                <a:solidFill>
-                  <a:srgbClr val="FBEEDC"/>
-                </a:solidFill>
-                <a:effectLst>
-                  <a:outerShdw blurRad="38100" dist="38100" dir="2700000" algn="tl">
-                    <a:srgbClr val="000000">
-                      <a:alpha val="43137"/>
-                    </a:srgbClr>
-                  </a:outerShdw>
-                </a:effectLst>
-                <a:latin typeface="Consolas" pitchFamily="49" charset="0"/>
-                <a:cs typeface="Consolas" pitchFamily="49" charset="0"/>
-              </a:defRPr>
-            </a:lvl1pPr>
-          </a:lstStyle>
-          <a:p>
-            <a:r>
-              <a:rPr lang="en-US" sz="3000" noProof="1"/>
-              <a:t>int[] nums = { 1, 2, 3, 4, 5, 6};</a:t>
-            </a:r>
-          </a:p>
-          <a:p>
-            <a:r>
-              <a:rPr lang="en-US" sz="3000" noProof="1"/>
-              <a:t>int count = nums.</a:t>
-            </a:r>
-            <a:r>
-              <a:rPr lang="en-US" sz="3000" noProof="1">
-                <a:solidFill>
-                  <a:schemeClr val="tx2">
-                    <a:lumMod val="75000"/>
-                  </a:schemeClr>
-                </a:solidFill>
-              </a:rPr>
-              <a:t>Count</a:t>
-            </a:r>
-            <a:r>
-              <a:rPr lang="en-US" sz="3000" noProof="1"/>
-              <a:t>(num =&gt; num % 2 == 0); </a:t>
-            </a:r>
-          </a:p>
-          <a:p>
-            <a:r>
-              <a:rPr lang="en-US" sz="3000" noProof="1">
-                <a:solidFill>
-                  <a:srgbClr val="BAB398"/>
-                </a:solidFill>
-              </a:rPr>
-              <a:t>// count = 3</a:t>
-            </a:r>
-          </a:p>
-        </p:txBody>
-      </p:sp>
-    </p:spTree>
-    <p:extLst>
-      <p:ext uri="{BB962C8B-B14F-4D97-AF65-F5344CB8AC3E}">
-        <p14:creationId xmlns:p14="http://schemas.microsoft.com/office/powerpoint/2010/main" val="695954181"/>
-      </p:ext>
-    </p:extLst>
-  </p:cSld>
-  <p:clrMapOvr>
-    <a:masterClrMapping/>
-  </p:clrMapOvr>
-  <p:timing>
-    <p:tnLst>
-      <p:par>
-        <p:cTn id="1" dur="indefinite" restart="never" nodeType="tmRoot">
-          <p:childTnLst>
-            <p:seq concurrent="1" nextAc="seek">
-              <p:cTn id="2" dur="indefinite" nodeType="mainSeq">
-                <p:childTnLst>
-                  <p:par>
-                    <p:cTn id="3" fill="hold">
-                      <p:stCondLst>
-                        <p:cond delay="indefinite"/>
-                      </p:stCondLst>
-                      <p:childTnLst>
-                        <p:par>
-                          <p:cTn id="4" fill="hold">
-                            <p:stCondLst>
-                              <p:cond delay="0"/>
-                            </p:stCondLst>
-                            <p:childTnLst>
-                              <p:par>
-                                <p:cTn id="5" presetID="1" presetClass="entr" presetSubtype="0" fill="hold" grpId="0" nodeType="clickEffect">
-                                  <p:stCondLst>
-                                    <p:cond delay="0"/>
-                                  </p:stCondLst>
-                                  <p:childTnLst>
-                                    <p:set>
-                                      <p:cBhvr>
-                                        <p:cTn id="6" dur="1" fill="hold">
-                                          <p:stCondLst>
-                                            <p:cond delay="0"/>
-                                          </p:stCondLst>
-                                        </p:cTn>
-                                        <p:tgtEl>
-                                          <p:spTgt spid="8"/>
-                                        </p:tgtEl>
-                                        <p:attrNameLst>
-                                          <p:attrName>style.visibility</p:attrName>
-                                        </p:attrNameLst>
-                                      </p:cBhvr>
-                                      <p:to>
-                                        <p:strVal val="visible"/>
-                                      </p:to>
-                                    </p:set>
-                                  </p:childTnLst>
-                                </p:cTn>
-                              </p:par>
-                            </p:childTnLst>
-                          </p:cTn>
-                        </p:par>
-                      </p:childTnLst>
-                    </p:cTn>
-                  </p:par>
-                </p:childTnLst>
-              </p:cTn>
-              <p:prevCondLst>
-                <p:cond evt="onPrev" delay="0">
-                  <p:tgtEl>
-                    <p:sldTgt/>
-                  </p:tgtEl>
-                </p:cond>
-              </p:prevCondLst>
-              <p:nextCondLst>
-                <p:cond evt="onNext" delay="0">
-                  <p:tgtEl>
-                    <p:sldTgt/>
-                  </p:tgtEl>
-                </p:cond>
-              </p:nextCondLst>
-            </p:seq>
-          </p:childTnLst>
-        </p:cTn>
-      </p:par>
-    </p:tnLst>
-    <p:bldLst>
-      <p:bldP spid="8" grpId="0" animBg="1"/>
-    </p:bldLst>
-  </p:timing>
-</p:sld>
-</file>
-
-<file path=ppt/slides/slide31.xml><?xml version="1.0" encoding="utf-8"?>
-<p:sld xmlns:a="http://schemas.openxmlformats.org/drawingml/2006/main" xmlns:r="http://schemas.openxmlformats.org/officeDocument/2006/relationships" xmlns:p="http://schemas.openxmlformats.org/presentationml/2006/main">
-  <p:cSld>
-    <p:spTree>
-      <p:nvGrpSpPr>
-        <p:cNvPr id="1" name=""/>
-        <p:cNvGrpSpPr/>
-        <p:nvPr/>
-      </p:nvGrpSpPr>
-      <p:grpSpPr>
-        <a:xfrm>
-          <a:off x="0" y="0"/>
-          <a:ext cx="0" cy="0"/>
-          <a:chOff x="0" y="0"/>
-          <a:chExt cx="0" cy="0"/>
-        </a:xfrm>
-      </p:grpSpPr>
-      <p:sp>
-        <p:nvSpPr>
-          <p:cNvPr id="2" name="Slide Number Placeholder 1"/>
-          <p:cNvSpPr>
-            <a:spLocks noGrp="1"/>
-          </p:cNvSpPr>
-          <p:nvPr>
-            <p:ph type="sldNum" sz="quarter" idx="4"/>
-          </p:nvPr>
-        </p:nvSpPr>
-        <p:spPr/>
-        <p:txBody>
-          <a:bodyPr/>
-          <a:lstStyle/>
-          <a:p>
-            <a:fld id="{C014DD1E-5D91-48A3-AD6D-45FBA980D106}" type="slidenum">
-              <a:rPr lang="en-US" smtClean="0"/>
-              <a:pPr/>
-              <a:t>31</a:t>
-            </a:fld>
-            <a:endParaRPr lang="en-US" dirty="0"/>
-          </a:p>
-        </p:txBody>
-      </p:sp>
-      <p:sp>
-        <p:nvSpPr>
-          <p:cNvPr id="4" name="Title 3"/>
-          <p:cNvSpPr>
-            <a:spLocks noGrp="1"/>
-          </p:cNvSpPr>
-          <p:nvPr>
-            <p:ph type="title"/>
-          </p:nvPr>
-        </p:nvSpPr>
-        <p:spPr/>
-        <p:txBody>
-          <a:bodyPr/>
-          <a:lstStyle/>
-          <a:p>
-            <a:r>
-              <a:rPr lang="en-US" dirty="0"/>
               <a:t>Filtering and Sorting with Lambda Functions</a:t>
             </a:r>
           </a:p>
@@ -31587,7 +31173,7 @@
 </p:sld>
 </file>
 
-<file path=ppt/slides/slide32.xml><?xml version="1.0" encoding="utf-8"?>
+<file path=ppt/slides/slide31.xml><?xml version="1.0" encoding="utf-8"?>
 <p:sld xmlns:a="http://schemas.openxmlformats.org/drawingml/2006/main" xmlns:r="http://schemas.openxmlformats.org/officeDocument/2006/relationships" xmlns:p="http://schemas.openxmlformats.org/presentationml/2006/main">
   <p:cSld>
     <p:spTree>
@@ -31622,7 +31208,7 @@
             <a:fld id="{C014DD1E-5D91-48A3-AD6D-45FBA980D106}" type="slidenum">
               <a:rPr lang="en-US" smtClean="0"/>
               <a:pPr/>
-              <a:t>32</a:t>
+              <a:t>31</a:t>
             </a:fld>
             <a:endParaRPr lang="en-US" dirty="0"/>
           </a:p>
@@ -31834,7 +31420,7 @@
 </p:sld>
 </file>
 
-<file path=ppt/slides/slide33.xml><?xml version="1.0" encoding="utf-8"?>
+<file path=ppt/slides/slide32.xml><?xml version="1.0" encoding="utf-8"?>
 <p:sld xmlns:a="http://schemas.openxmlformats.org/drawingml/2006/main" xmlns:r="http://schemas.openxmlformats.org/officeDocument/2006/relationships" xmlns:p="http://schemas.openxmlformats.org/presentationml/2006/main">
   <p:cSld>
     <p:spTree>
@@ -31869,7 +31455,7 @@
             <a:fld id="{C014DD1E-5D91-48A3-AD6D-45FBA980D106}" type="slidenum">
               <a:rPr lang="en-US" smtClean="0"/>
               <a:pPr/>
-              <a:t>33</a:t>
+              <a:t>32</a:t>
             </a:fld>
             <a:endParaRPr lang="en-US" dirty="0"/>
           </a:p>
@@ -32492,6 +32078,696 @@
     <p:extLst>
       <p:ext uri="{BB962C8B-B14F-4D97-AF65-F5344CB8AC3E}">
         <p14:creationId xmlns:p14="http://schemas.microsoft.com/office/powerpoint/2010/main" val="3001276686"/>
+      </p:ext>
+    </p:extLst>
+  </p:cSld>
+  <p:clrMapOvr>
+    <a:masterClrMapping/>
+  </p:clrMapOvr>
+</p:sld>
+</file>
+
+<file path=ppt/slides/slide33.xml><?xml version="1.0" encoding="utf-8"?>
+<p:sld xmlns:a="http://schemas.openxmlformats.org/drawingml/2006/main" xmlns:r="http://schemas.openxmlformats.org/officeDocument/2006/relationships" xmlns:p="http://schemas.openxmlformats.org/presentationml/2006/main">
+  <p:cSld>
+    <p:spTree>
+      <p:nvGrpSpPr>
+        <p:cNvPr id="1" name=""/>
+        <p:cNvGrpSpPr/>
+        <p:nvPr/>
+      </p:nvGrpSpPr>
+      <p:grpSpPr>
+        <a:xfrm>
+          <a:off x="0" y="0"/>
+          <a:ext cx="0" cy="0"/>
+          <a:chOff x="0" y="0"/>
+          <a:chExt cx="0" cy="0"/>
+        </a:xfrm>
+      </p:grpSpPr>
+      <p:sp>
+        <p:nvSpPr>
+          <p:cNvPr id="2" name="Slide Number Placeholder 1"/>
+          <p:cNvSpPr>
+            <a:spLocks noGrp="1"/>
+          </p:cNvSpPr>
+          <p:nvPr>
+            <p:ph type="sldNum" sz="quarter" idx="4"/>
+          </p:nvPr>
+        </p:nvSpPr>
+        <p:spPr/>
+        <p:txBody>
+          <a:bodyPr/>
+          <a:lstStyle/>
+          <a:p>
+            <a:fld id="{C014DD1E-5D91-48A3-AD6D-45FBA980D106}" type="slidenum">
+              <a:rPr lang="en-US" smtClean="0"/>
+              <a:pPr/>
+              <a:t>33</a:t>
+            </a:fld>
+            <a:endParaRPr lang="en-US" dirty="0"/>
+          </a:p>
+        </p:txBody>
+      </p:sp>
+      <p:sp>
+        <p:nvSpPr>
+          <p:cNvPr id="4" name="Title 3"/>
+          <p:cNvSpPr>
+            <a:spLocks noGrp="1"/>
+          </p:cNvSpPr>
+          <p:nvPr>
+            <p:ph type="title"/>
+          </p:nvPr>
+        </p:nvSpPr>
+        <p:spPr/>
+        <p:txBody>
+          <a:bodyPr/>
+          <a:lstStyle/>
+          <a:p>
+            <a:r>
+              <a:rPr lang="en-US" dirty="0"/>
+              <a:t>Solution: Short Words Sorted</a:t>
+            </a:r>
+          </a:p>
+        </p:txBody>
+      </p:sp>
+      <p:sp>
+        <p:nvSpPr>
+          <p:cNvPr id="5" name="Rectangle 4"/>
+          <p:cNvSpPr>
+            <a:spLocks noChangeArrowheads="1"/>
+          </p:cNvSpPr>
+          <p:nvPr/>
+        </p:nvSpPr>
+        <p:spPr bwMode="auto">
+          <a:xfrm>
+            <a:off x="500920" y="1233773"/>
+            <a:ext cx="11194192" cy="4481227"/>
+          </a:xfrm>
+          <a:prstGeom prst="rect">
+            <a:avLst/>
+          </a:prstGeom>
+          <a:solidFill>
+            <a:schemeClr val="accent5">
+              <a:lumMod val="40000"/>
+              <a:lumOff val="60000"/>
+              <a:alpha val="20000"/>
+            </a:schemeClr>
+          </a:solidFill>
+          <a:ln w="12700">
+            <a:solidFill>
+              <a:schemeClr val="accent5">
+                <a:lumMod val="60000"/>
+                <a:lumOff val="40000"/>
+              </a:schemeClr>
+            </a:solidFill>
+          </a:ln>
+        </p:spPr>
+        <p:txBody>
+          <a:bodyPr wrap="square">
+            <a:spAutoFit/>
+          </a:bodyPr>
+          <a:lstStyle/>
+          <a:p>
+            <a:pPr>
+              <a:lnSpc>
+                <a:spcPct val="115000"/>
+              </a:lnSpc>
+            </a:pPr>
+            <a:r>
+              <a:rPr lang="en-US" sz="2800" b="1" noProof="1">
+                <a:solidFill>
+                  <a:srgbClr val="FBEEDC"/>
+                </a:solidFill>
+                <a:effectLst>
+                  <a:outerShdw blurRad="38100" dist="38100" dir="2700000" algn="tl">
+                    <a:srgbClr val="000000">
+                      <a:alpha val="43137"/>
+                    </a:srgbClr>
+                  </a:outerShdw>
+                </a:effectLst>
+                <a:latin typeface="Consolas" panose="020B0609020204030204" pitchFamily="49" charset="0"/>
+                <a:cs typeface="Arial" panose="020B0604020202020204" pitchFamily="34" charset="0"/>
+              </a:rPr>
+              <a:t>char[] </a:t>
+            </a:r>
+            <a:r>
+              <a:rPr lang="en-US" sz="2800" b="1" noProof="1">
+                <a:solidFill>
+                  <a:schemeClr val="tx2">
+                    <a:lumMod val="75000"/>
+                  </a:schemeClr>
+                </a:solidFill>
+                <a:effectLst>
+                  <a:outerShdw blurRad="38100" dist="38100" dir="2700000" algn="tl">
+                    <a:srgbClr val="000000">
+                      <a:alpha val="43137"/>
+                    </a:srgbClr>
+                  </a:outerShdw>
+                </a:effectLst>
+                <a:latin typeface="Consolas" panose="020B0609020204030204" pitchFamily="49" charset="0"/>
+                <a:cs typeface="Arial" panose="020B0604020202020204" pitchFamily="34" charset="0"/>
+              </a:rPr>
+              <a:t>separators</a:t>
+            </a:r>
+            <a:r>
+              <a:rPr lang="en-US" sz="2800" b="1" noProof="1">
+                <a:solidFill>
+                  <a:srgbClr val="FBEEDC"/>
+                </a:solidFill>
+                <a:effectLst>
+                  <a:outerShdw blurRad="38100" dist="38100" dir="2700000" algn="tl">
+                    <a:srgbClr val="000000">
+                      <a:alpha val="43137"/>
+                    </a:srgbClr>
+                  </a:outerShdw>
+                </a:effectLst>
+                <a:latin typeface="Consolas" panose="020B0609020204030204" pitchFamily="49" charset="0"/>
+                <a:cs typeface="Arial" panose="020B0604020202020204" pitchFamily="34" charset="0"/>
+              </a:rPr>
+              <a:t> = new char[] </a:t>
+            </a:r>
+          </a:p>
+          <a:p>
+            <a:pPr>
+              <a:lnSpc>
+                <a:spcPct val="115000"/>
+              </a:lnSpc>
+            </a:pPr>
+            <a:r>
+              <a:rPr lang="en-US" b="1" noProof="1">
+                <a:solidFill>
+                  <a:srgbClr val="FBEEDC"/>
+                </a:solidFill>
+                <a:effectLst>
+                  <a:outerShdw blurRad="38100" dist="38100" dir="2700000" algn="tl">
+                    <a:srgbClr val="000000">
+                      <a:alpha val="43137"/>
+                    </a:srgbClr>
+                  </a:outerShdw>
+                </a:effectLst>
+                <a:latin typeface="Consolas" panose="020B0609020204030204" pitchFamily="49" charset="0"/>
+                <a:cs typeface="Arial" panose="020B0604020202020204" pitchFamily="34" charset="0"/>
+              </a:rPr>
+              <a:t>{'.',',',':',';','(',')','[',']','\\','\"','\'','/','!','?',' '};</a:t>
+            </a:r>
+          </a:p>
+          <a:p>
+            <a:pPr>
+              <a:lnSpc>
+                <a:spcPct val="115000"/>
+              </a:lnSpc>
+            </a:pPr>
+            <a:r>
+              <a:rPr lang="en-US" sz="2800" b="1" noProof="1">
+                <a:solidFill>
+                  <a:srgbClr val="FBEEDC"/>
+                </a:solidFill>
+                <a:effectLst>
+                  <a:outerShdw blurRad="38100" dist="38100" dir="2700000" algn="tl">
+                    <a:srgbClr val="000000">
+                      <a:alpha val="43137"/>
+                    </a:srgbClr>
+                  </a:outerShdw>
+                </a:effectLst>
+                <a:latin typeface="Consolas" panose="020B0609020204030204" pitchFamily="49" charset="0"/>
+                <a:cs typeface="Arial" panose="020B0604020202020204" pitchFamily="34" charset="0"/>
+              </a:rPr>
+              <a:t>string sentence = Console.ReadLine().ToLower();</a:t>
+            </a:r>
+          </a:p>
+          <a:p>
+            <a:pPr>
+              <a:lnSpc>
+                <a:spcPct val="115000"/>
+              </a:lnSpc>
+              <a:spcAft>
+                <a:spcPts val="0"/>
+              </a:spcAft>
+            </a:pPr>
+            <a:r>
+              <a:rPr lang="en-US" sz="2800" b="1" noProof="1">
+                <a:solidFill>
+                  <a:srgbClr val="FBEEDC"/>
+                </a:solidFill>
+                <a:effectLst>
+                  <a:outerShdw blurRad="38100" dist="38100" dir="2700000" algn="tl">
+                    <a:srgbClr val="000000">
+                      <a:alpha val="43137"/>
+                    </a:srgbClr>
+                  </a:outerShdw>
+                </a:effectLst>
+                <a:latin typeface="Consolas" panose="020B0609020204030204" pitchFamily="49" charset="0"/>
+                <a:cs typeface="Arial" panose="020B0604020202020204" pitchFamily="34" charset="0"/>
+              </a:rPr>
+              <a:t>string[] words = sentence.Split(</a:t>
+            </a:r>
+            <a:r>
+              <a:rPr lang="en-US" sz="2800" b="1" noProof="1">
+                <a:solidFill>
+                  <a:schemeClr val="tx2">
+                    <a:lumMod val="75000"/>
+                  </a:schemeClr>
+                </a:solidFill>
+                <a:effectLst>
+                  <a:outerShdw blurRad="38100" dist="38100" dir="2700000" algn="tl">
+                    <a:srgbClr val="000000">
+                      <a:alpha val="43137"/>
+                    </a:srgbClr>
+                  </a:outerShdw>
+                </a:effectLst>
+                <a:latin typeface="Consolas" panose="020B0609020204030204" pitchFamily="49" charset="0"/>
+                <a:cs typeface="Arial" panose="020B0604020202020204" pitchFamily="34" charset="0"/>
+              </a:rPr>
+              <a:t>separators</a:t>
+            </a:r>
+            <a:r>
+              <a:rPr lang="en-US" sz="2800" b="1" noProof="1">
+                <a:solidFill>
+                  <a:srgbClr val="FBEEDC"/>
+                </a:solidFill>
+                <a:effectLst>
+                  <a:outerShdw blurRad="38100" dist="38100" dir="2700000" algn="tl">
+                    <a:srgbClr val="000000">
+                      <a:alpha val="43137"/>
+                    </a:srgbClr>
+                  </a:outerShdw>
+                </a:effectLst>
+                <a:latin typeface="Consolas" panose="020B0609020204030204" pitchFamily="49" charset="0"/>
+                <a:cs typeface="Arial" panose="020B0604020202020204" pitchFamily="34" charset="0"/>
+              </a:rPr>
+              <a:t>);</a:t>
+            </a:r>
+          </a:p>
+          <a:p>
+            <a:pPr>
+              <a:lnSpc>
+                <a:spcPct val="115000"/>
+              </a:lnSpc>
+              <a:spcAft>
+                <a:spcPts val="0"/>
+              </a:spcAft>
+            </a:pPr>
+            <a:r>
+              <a:rPr lang="en-US" sz="2800" b="1" noProof="1">
+                <a:solidFill>
+                  <a:srgbClr val="FBEEDC"/>
+                </a:solidFill>
+                <a:effectLst>
+                  <a:outerShdw blurRad="38100" dist="38100" dir="2700000" algn="tl">
+                    <a:srgbClr val="000000">
+                      <a:alpha val="43137"/>
+                    </a:srgbClr>
+                  </a:outerShdw>
+                </a:effectLst>
+                <a:latin typeface="Consolas" panose="020B0609020204030204" pitchFamily="49" charset="0"/>
+                <a:cs typeface="Arial" panose="020B0604020202020204" pitchFamily="34" charset="0"/>
+              </a:rPr>
+              <a:t>var result = words</a:t>
+            </a:r>
+          </a:p>
+          <a:p>
+            <a:pPr>
+              <a:lnSpc>
+                <a:spcPct val="115000"/>
+              </a:lnSpc>
+              <a:spcAft>
+                <a:spcPts val="0"/>
+              </a:spcAft>
+            </a:pPr>
+            <a:r>
+              <a:rPr lang="en-US" sz="2800" b="1" noProof="1">
+                <a:solidFill>
+                  <a:srgbClr val="FBEEDC"/>
+                </a:solidFill>
+                <a:effectLst>
+                  <a:outerShdw blurRad="38100" dist="38100" dir="2700000" algn="tl">
+                    <a:srgbClr val="000000">
+                      <a:alpha val="43137"/>
+                    </a:srgbClr>
+                  </a:outerShdw>
+                </a:effectLst>
+                <a:latin typeface="Consolas" panose="020B0609020204030204" pitchFamily="49" charset="0"/>
+                <a:cs typeface="Arial" panose="020B0604020202020204" pitchFamily="34" charset="0"/>
+              </a:rPr>
+              <a:t>  .</a:t>
+            </a:r>
+            <a:r>
+              <a:rPr lang="en-US" sz="2800" b="1" noProof="1">
+                <a:solidFill>
+                  <a:schemeClr val="tx2">
+                    <a:lumMod val="75000"/>
+                  </a:schemeClr>
+                </a:solidFill>
+                <a:effectLst>
+                  <a:outerShdw blurRad="38100" dist="38100" dir="2700000" algn="tl">
+                    <a:srgbClr val="000000">
+                      <a:alpha val="43137"/>
+                    </a:srgbClr>
+                  </a:outerShdw>
+                </a:effectLst>
+                <a:latin typeface="Consolas" panose="020B0609020204030204" pitchFamily="49" charset="0"/>
+                <a:cs typeface="Arial" panose="020B0604020202020204" pitchFamily="34" charset="0"/>
+              </a:rPr>
+              <a:t>Where</a:t>
+            </a:r>
+            <a:r>
+              <a:rPr lang="en-US" sz="2800" b="1" noProof="1">
+                <a:solidFill>
+                  <a:srgbClr val="FBEEDC"/>
+                </a:solidFill>
+                <a:effectLst>
+                  <a:outerShdw blurRad="38100" dist="38100" dir="2700000" algn="tl">
+                    <a:srgbClr val="000000">
+                      <a:alpha val="43137"/>
+                    </a:srgbClr>
+                  </a:outerShdw>
+                </a:effectLst>
+                <a:latin typeface="Consolas" panose="020B0609020204030204" pitchFamily="49" charset="0"/>
+                <a:cs typeface="Arial" panose="020B0604020202020204" pitchFamily="34" charset="0"/>
+              </a:rPr>
+              <a:t>(</a:t>
+            </a:r>
+            <a:r>
+              <a:rPr lang="en-US" sz="2800" b="1" noProof="1">
+                <a:solidFill>
+                  <a:schemeClr val="tx2">
+                    <a:lumMod val="75000"/>
+                  </a:schemeClr>
+                </a:solidFill>
+                <a:effectLst>
+                  <a:outerShdw blurRad="38100" dist="38100" dir="2700000" algn="tl">
+                    <a:srgbClr val="000000">
+                      <a:alpha val="43137"/>
+                    </a:srgbClr>
+                  </a:outerShdw>
+                </a:effectLst>
+                <a:latin typeface="Consolas" panose="020B0609020204030204" pitchFamily="49" charset="0"/>
+                <a:cs typeface="Arial" panose="020B0604020202020204" pitchFamily="34" charset="0"/>
+              </a:rPr>
+              <a:t>w =&gt; w != ""</a:t>
+            </a:r>
+            <a:r>
+              <a:rPr lang="en-US" sz="2800" b="1" noProof="1">
+                <a:solidFill>
+                  <a:srgbClr val="FBEEDC"/>
+                </a:solidFill>
+                <a:effectLst>
+                  <a:outerShdw blurRad="38100" dist="38100" dir="2700000" algn="tl">
+                    <a:srgbClr val="000000">
+                      <a:alpha val="43137"/>
+                    </a:srgbClr>
+                  </a:outerShdw>
+                </a:effectLst>
+                <a:latin typeface="Consolas" panose="020B0609020204030204" pitchFamily="49" charset="0"/>
+                <a:cs typeface="Arial" panose="020B0604020202020204" pitchFamily="34" charset="0"/>
+              </a:rPr>
+              <a:t>)</a:t>
+            </a:r>
+          </a:p>
+          <a:p>
+            <a:pPr>
+              <a:lnSpc>
+                <a:spcPct val="115000"/>
+              </a:lnSpc>
+              <a:spcAft>
+                <a:spcPts val="0"/>
+              </a:spcAft>
+            </a:pPr>
+            <a:r>
+              <a:rPr lang="en-US" sz="2800" b="1" noProof="1">
+                <a:solidFill>
+                  <a:srgbClr val="FBEEDC"/>
+                </a:solidFill>
+                <a:effectLst>
+                  <a:outerShdw blurRad="38100" dist="38100" dir="2700000" algn="tl">
+                    <a:srgbClr val="000000">
+                      <a:alpha val="43137"/>
+                    </a:srgbClr>
+                  </a:outerShdw>
+                </a:effectLst>
+                <a:latin typeface="Consolas" panose="020B0609020204030204" pitchFamily="49" charset="0"/>
+                <a:cs typeface="Arial" panose="020B0604020202020204" pitchFamily="34" charset="0"/>
+              </a:rPr>
+              <a:t>  </a:t>
+            </a:r>
+            <a:r>
+              <a:rPr lang="en-US" sz="2800" b="1" noProof="1">
+                <a:solidFill>
+                  <a:schemeClr val="tx2">
+                    <a:lumMod val="75000"/>
+                  </a:schemeClr>
+                </a:solidFill>
+                <a:effectLst>
+                  <a:outerShdw blurRad="38100" dist="38100" dir="2700000" algn="tl">
+                    <a:srgbClr val="000000">
+                      <a:alpha val="43137"/>
+                    </a:srgbClr>
+                  </a:outerShdw>
+                </a:effectLst>
+                <a:latin typeface="Consolas" panose="020B0609020204030204" pitchFamily="49" charset="0"/>
+                <a:cs typeface="Arial" panose="020B0604020202020204" pitchFamily="34" charset="0"/>
+              </a:rPr>
+              <a:t>// TODO: </a:t>
+            </a:r>
+            <a:r>
+              <a:rPr lang="en-US" sz="2800" b="1" i="1" noProof="1">
+                <a:solidFill>
+                  <a:schemeClr val="tx2">
+                    <a:lumMod val="75000"/>
+                  </a:schemeClr>
+                </a:solidFill>
+                <a:effectLst>
+                  <a:outerShdw blurRad="38100" dist="38100" dir="2700000" algn="tl">
+                    <a:srgbClr val="000000">
+                      <a:alpha val="43137"/>
+                    </a:srgbClr>
+                  </a:outerShdw>
+                </a:effectLst>
+                <a:latin typeface="Consolas" panose="020B0609020204030204" pitchFamily="49" charset="0"/>
+                <a:cs typeface="Arial" panose="020B0604020202020204" pitchFamily="34" charset="0"/>
+              </a:rPr>
+              <a:t>filter by word length &lt; 5</a:t>
+            </a:r>
+          </a:p>
+          <a:p>
+            <a:pPr>
+              <a:lnSpc>
+                <a:spcPct val="115000"/>
+              </a:lnSpc>
+              <a:spcAft>
+                <a:spcPts val="0"/>
+              </a:spcAft>
+            </a:pPr>
+            <a:r>
+              <a:rPr lang="en-US" sz="2800" b="1" noProof="1">
+                <a:solidFill>
+                  <a:srgbClr val="FBEEDC"/>
+                </a:solidFill>
+                <a:effectLst>
+                  <a:outerShdw blurRad="38100" dist="38100" dir="2700000" algn="tl">
+                    <a:srgbClr val="000000">
+                      <a:alpha val="43137"/>
+                    </a:srgbClr>
+                  </a:outerShdw>
+                </a:effectLst>
+                <a:latin typeface="Consolas" panose="020B0609020204030204" pitchFamily="49" charset="0"/>
+                <a:cs typeface="Arial" panose="020B0604020202020204" pitchFamily="34" charset="0"/>
+              </a:rPr>
+              <a:t>  .</a:t>
+            </a:r>
+            <a:r>
+              <a:rPr lang="en-US" sz="2800" b="1" noProof="1">
+                <a:solidFill>
+                  <a:schemeClr val="tx2">
+                    <a:lumMod val="75000"/>
+                  </a:schemeClr>
+                </a:solidFill>
+                <a:effectLst>
+                  <a:outerShdw blurRad="38100" dist="38100" dir="2700000" algn="tl">
+                    <a:srgbClr val="000000">
+                      <a:alpha val="43137"/>
+                    </a:srgbClr>
+                  </a:outerShdw>
+                </a:effectLst>
+                <a:latin typeface="Consolas" panose="020B0609020204030204" pitchFamily="49" charset="0"/>
+                <a:cs typeface="Arial" panose="020B0604020202020204" pitchFamily="34" charset="0"/>
+              </a:rPr>
+              <a:t>OrderBy</a:t>
+            </a:r>
+            <a:r>
+              <a:rPr lang="en-US" sz="2800" b="1" noProof="1">
+                <a:solidFill>
+                  <a:srgbClr val="FBEEDC"/>
+                </a:solidFill>
+                <a:effectLst>
+                  <a:outerShdw blurRad="38100" dist="38100" dir="2700000" algn="tl">
+                    <a:srgbClr val="000000">
+                      <a:alpha val="43137"/>
+                    </a:srgbClr>
+                  </a:outerShdw>
+                </a:effectLst>
+                <a:latin typeface="Consolas" panose="020B0609020204030204" pitchFamily="49" charset="0"/>
+                <a:cs typeface="Arial" panose="020B0604020202020204" pitchFamily="34" charset="0"/>
+              </a:rPr>
+              <a:t>(</a:t>
+            </a:r>
+            <a:r>
+              <a:rPr lang="en-US" sz="2800" b="1" noProof="1">
+                <a:solidFill>
+                  <a:schemeClr val="tx2">
+                    <a:lumMod val="75000"/>
+                  </a:schemeClr>
+                </a:solidFill>
+                <a:effectLst>
+                  <a:outerShdw blurRad="38100" dist="38100" dir="2700000" algn="tl">
+                    <a:srgbClr val="000000">
+                      <a:alpha val="43137"/>
+                    </a:srgbClr>
+                  </a:outerShdw>
+                </a:effectLst>
+                <a:latin typeface="Consolas" panose="020B0609020204030204" pitchFamily="49" charset="0"/>
+                <a:cs typeface="Arial" panose="020B0604020202020204" pitchFamily="34" charset="0"/>
+              </a:rPr>
+              <a:t>w =&gt; w</a:t>
+            </a:r>
+            <a:r>
+              <a:rPr lang="en-US" sz="2800" b="1" noProof="1">
+                <a:solidFill>
+                  <a:srgbClr val="FBEEDC"/>
+                </a:solidFill>
+                <a:effectLst>
+                  <a:outerShdw blurRad="38100" dist="38100" dir="2700000" algn="tl">
+                    <a:srgbClr val="000000">
+                      <a:alpha val="43137"/>
+                    </a:srgbClr>
+                  </a:outerShdw>
+                </a:effectLst>
+                <a:latin typeface="Consolas" panose="020B0609020204030204" pitchFamily="49" charset="0"/>
+                <a:cs typeface="Arial" panose="020B0604020202020204" pitchFamily="34" charset="0"/>
+              </a:rPr>
+              <a:t>).</a:t>
+            </a:r>
+            <a:r>
+              <a:rPr lang="en-US" sz="2800" b="1" noProof="1">
+                <a:solidFill>
+                  <a:schemeClr val="tx2">
+                    <a:lumMod val="75000"/>
+                  </a:schemeClr>
+                </a:solidFill>
+                <a:effectLst>
+                  <a:outerShdw blurRad="38100" dist="38100" dir="2700000" algn="tl">
+                    <a:srgbClr val="000000">
+                      <a:alpha val="43137"/>
+                    </a:srgbClr>
+                  </a:outerShdw>
+                </a:effectLst>
+                <a:latin typeface="Consolas" panose="020B0609020204030204" pitchFamily="49" charset="0"/>
+                <a:cs typeface="Arial" panose="020B0604020202020204" pitchFamily="34" charset="0"/>
+              </a:rPr>
+              <a:t>Distinct</a:t>
+            </a:r>
+            <a:r>
+              <a:rPr lang="en-US" sz="2800" b="1" noProof="1">
+                <a:solidFill>
+                  <a:srgbClr val="FBEEDC"/>
+                </a:solidFill>
+                <a:effectLst>
+                  <a:outerShdw blurRad="38100" dist="38100" dir="2700000" algn="tl">
+                    <a:srgbClr val="000000">
+                      <a:alpha val="43137"/>
+                    </a:srgbClr>
+                  </a:outerShdw>
+                </a:effectLst>
+                <a:latin typeface="Consolas" panose="020B0609020204030204" pitchFamily="49" charset="0"/>
+                <a:cs typeface="Arial" panose="020B0604020202020204" pitchFamily="34" charset="0"/>
+              </a:rPr>
+              <a:t>();</a:t>
+            </a:r>
+          </a:p>
+          <a:p>
+            <a:pPr>
+              <a:lnSpc>
+                <a:spcPct val="115000"/>
+              </a:lnSpc>
+              <a:spcAft>
+                <a:spcPts val="0"/>
+              </a:spcAft>
+            </a:pPr>
+            <a:r>
+              <a:rPr lang="en-US" sz="2800" b="1" noProof="1">
+                <a:solidFill>
+                  <a:srgbClr val="FBEEDC"/>
+                </a:solidFill>
+                <a:effectLst>
+                  <a:outerShdw blurRad="38100" dist="38100" dir="2700000" algn="tl">
+                    <a:srgbClr val="000000">
+                      <a:alpha val="43137"/>
+                    </a:srgbClr>
+                  </a:outerShdw>
+                </a:effectLst>
+                <a:latin typeface="Consolas" panose="020B0609020204030204" pitchFamily="49" charset="0"/>
+                <a:cs typeface="Arial" panose="020B0604020202020204" pitchFamily="34" charset="0"/>
+              </a:rPr>
+              <a:t>Console.WriteLine(string.Join(", ", result));</a:t>
+            </a:r>
+            <a:endParaRPr lang="it-IT" sz="2800" b="1" noProof="1">
+              <a:solidFill>
+                <a:srgbClr val="FBEEDC"/>
+              </a:solidFill>
+              <a:effectLst>
+                <a:outerShdw blurRad="38100" dist="38100" dir="2700000" algn="tl">
+                  <a:srgbClr val="000000">
+                    <a:alpha val="43137"/>
+                  </a:srgbClr>
+                </a:outerShdw>
+              </a:effectLst>
+              <a:latin typeface="Consolas" pitchFamily="49" charset="0"/>
+              <a:cs typeface="Consolas" pitchFamily="49" charset="0"/>
+            </a:endParaRPr>
+          </a:p>
+        </p:txBody>
+      </p:sp>
+      <p:sp>
+        <p:nvSpPr>
+          <p:cNvPr id="6" name="TextBox 5"/>
+          <p:cNvSpPr txBox="1"/>
+          <p:nvPr/>
+        </p:nvSpPr>
+        <p:spPr>
+          <a:xfrm>
+            <a:off x="816005" y="6214907"/>
+            <a:ext cx="10556816" cy="461665"/>
+          </a:xfrm>
+          <a:prstGeom prst="rect">
+            <a:avLst/>
+          </a:prstGeom>
+          <a:noFill/>
+        </p:spPr>
+        <p:txBody>
+          <a:bodyPr wrap="square" rtlCol="0">
+            <a:spAutoFit/>
+          </a:bodyPr>
+          <a:lstStyle/>
+          <a:p>
+            <a:pPr algn="ctr"/>
+            <a:r>
+              <a:rPr lang="en-US" dirty="0"/>
+              <a:t>Check your solution here: </a:t>
+            </a:r>
+            <a:r>
+              <a:rPr lang="en-US" dirty="0">
+                <a:hlinkClick r:id="rId2"/>
+              </a:rPr>
+              <a:t>https://judge.softuni.bg/Contests/Practice/Index/174#4</a:t>
+            </a:r>
+            <a:endParaRPr lang="en-US" dirty="0"/>
+          </a:p>
+        </p:txBody>
+      </p:sp>
+    </p:spTree>
+    <p:extLst>
+      <p:ext uri="{BB962C8B-B14F-4D97-AF65-F5344CB8AC3E}">
+        <p14:creationId xmlns:p14="http://schemas.microsoft.com/office/powerpoint/2010/main" val="578510430"/>
       </p:ext>
     </p:extLst>
   </p:cSld>
@@ -32537,696 +32813,6 @@
               <a:rPr lang="en-US" smtClean="0"/>
               <a:pPr/>
               <a:t>34</a:t>
-            </a:fld>
-            <a:endParaRPr lang="en-US" dirty="0"/>
-          </a:p>
-        </p:txBody>
-      </p:sp>
-      <p:sp>
-        <p:nvSpPr>
-          <p:cNvPr id="4" name="Title 3"/>
-          <p:cNvSpPr>
-            <a:spLocks noGrp="1"/>
-          </p:cNvSpPr>
-          <p:nvPr>
-            <p:ph type="title"/>
-          </p:nvPr>
-        </p:nvSpPr>
-        <p:spPr/>
-        <p:txBody>
-          <a:bodyPr/>
-          <a:lstStyle/>
-          <a:p>
-            <a:r>
-              <a:rPr lang="en-US" dirty="0"/>
-              <a:t>Solution: Short Words Sorted</a:t>
-            </a:r>
-          </a:p>
-        </p:txBody>
-      </p:sp>
-      <p:sp>
-        <p:nvSpPr>
-          <p:cNvPr id="5" name="Rectangle 4"/>
-          <p:cNvSpPr>
-            <a:spLocks noChangeArrowheads="1"/>
-          </p:cNvSpPr>
-          <p:nvPr/>
-        </p:nvSpPr>
-        <p:spPr bwMode="auto">
-          <a:xfrm>
-            <a:off x="500920" y="1233773"/>
-            <a:ext cx="11194192" cy="4481227"/>
-          </a:xfrm>
-          <a:prstGeom prst="rect">
-            <a:avLst/>
-          </a:prstGeom>
-          <a:solidFill>
-            <a:schemeClr val="accent5">
-              <a:lumMod val="40000"/>
-              <a:lumOff val="60000"/>
-              <a:alpha val="20000"/>
-            </a:schemeClr>
-          </a:solidFill>
-          <a:ln w="12700">
-            <a:solidFill>
-              <a:schemeClr val="accent5">
-                <a:lumMod val="60000"/>
-                <a:lumOff val="40000"/>
-              </a:schemeClr>
-            </a:solidFill>
-          </a:ln>
-        </p:spPr>
-        <p:txBody>
-          <a:bodyPr wrap="square">
-            <a:spAutoFit/>
-          </a:bodyPr>
-          <a:lstStyle/>
-          <a:p>
-            <a:pPr>
-              <a:lnSpc>
-                <a:spcPct val="115000"/>
-              </a:lnSpc>
-            </a:pPr>
-            <a:r>
-              <a:rPr lang="en-US" sz="2800" b="1" noProof="1">
-                <a:solidFill>
-                  <a:srgbClr val="FBEEDC"/>
-                </a:solidFill>
-                <a:effectLst>
-                  <a:outerShdw blurRad="38100" dist="38100" dir="2700000" algn="tl">
-                    <a:srgbClr val="000000">
-                      <a:alpha val="43137"/>
-                    </a:srgbClr>
-                  </a:outerShdw>
-                </a:effectLst>
-                <a:latin typeface="Consolas" panose="020B0609020204030204" pitchFamily="49" charset="0"/>
-                <a:cs typeface="Arial" panose="020B0604020202020204" pitchFamily="34" charset="0"/>
-              </a:rPr>
-              <a:t>char[] </a:t>
-            </a:r>
-            <a:r>
-              <a:rPr lang="en-US" sz="2800" b="1" noProof="1">
-                <a:solidFill>
-                  <a:schemeClr val="tx2">
-                    <a:lumMod val="75000"/>
-                  </a:schemeClr>
-                </a:solidFill>
-                <a:effectLst>
-                  <a:outerShdw blurRad="38100" dist="38100" dir="2700000" algn="tl">
-                    <a:srgbClr val="000000">
-                      <a:alpha val="43137"/>
-                    </a:srgbClr>
-                  </a:outerShdw>
-                </a:effectLst>
-                <a:latin typeface="Consolas" panose="020B0609020204030204" pitchFamily="49" charset="0"/>
-                <a:cs typeface="Arial" panose="020B0604020202020204" pitchFamily="34" charset="0"/>
-              </a:rPr>
-              <a:t>separators</a:t>
-            </a:r>
-            <a:r>
-              <a:rPr lang="en-US" sz="2800" b="1" noProof="1">
-                <a:solidFill>
-                  <a:srgbClr val="FBEEDC"/>
-                </a:solidFill>
-                <a:effectLst>
-                  <a:outerShdw blurRad="38100" dist="38100" dir="2700000" algn="tl">
-                    <a:srgbClr val="000000">
-                      <a:alpha val="43137"/>
-                    </a:srgbClr>
-                  </a:outerShdw>
-                </a:effectLst>
-                <a:latin typeface="Consolas" panose="020B0609020204030204" pitchFamily="49" charset="0"/>
-                <a:cs typeface="Arial" panose="020B0604020202020204" pitchFamily="34" charset="0"/>
-              </a:rPr>
-              <a:t> = new char[] </a:t>
-            </a:r>
-          </a:p>
-          <a:p>
-            <a:pPr>
-              <a:lnSpc>
-                <a:spcPct val="115000"/>
-              </a:lnSpc>
-            </a:pPr>
-            <a:r>
-              <a:rPr lang="en-US" b="1" noProof="1">
-                <a:solidFill>
-                  <a:srgbClr val="FBEEDC"/>
-                </a:solidFill>
-                <a:effectLst>
-                  <a:outerShdw blurRad="38100" dist="38100" dir="2700000" algn="tl">
-                    <a:srgbClr val="000000">
-                      <a:alpha val="43137"/>
-                    </a:srgbClr>
-                  </a:outerShdw>
-                </a:effectLst>
-                <a:latin typeface="Consolas" panose="020B0609020204030204" pitchFamily="49" charset="0"/>
-                <a:cs typeface="Arial" panose="020B0604020202020204" pitchFamily="34" charset="0"/>
-              </a:rPr>
-              <a:t>{'.',',',':',';','(',')','[',']','\\','\"','\'','/','!','?',' '};</a:t>
-            </a:r>
-          </a:p>
-          <a:p>
-            <a:pPr>
-              <a:lnSpc>
-                <a:spcPct val="115000"/>
-              </a:lnSpc>
-            </a:pPr>
-            <a:r>
-              <a:rPr lang="en-US" sz="2800" b="1" noProof="1">
-                <a:solidFill>
-                  <a:srgbClr val="FBEEDC"/>
-                </a:solidFill>
-                <a:effectLst>
-                  <a:outerShdw blurRad="38100" dist="38100" dir="2700000" algn="tl">
-                    <a:srgbClr val="000000">
-                      <a:alpha val="43137"/>
-                    </a:srgbClr>
-                  </a:outerShdw>
-                </a:effectLst>
-                <a:latin typeface="Consolas" panose="020B0609020204030204" pitchFamily="49" charset="0"/>
-                <a:cs typeface="Arial" panose="020B0604020202020204" pitchFamily="34" charset="0"/>
-              </a:rPr>
-              <a:t>string sentence = Console.ReadLine().ToLower();</a:t>
-            </a:r>
-          </a:p>
-          <a:p>
-            <a:pPr>
-              <a:lnSpc>
-                <a:spcPct val="115000"/>
-              </a:lnSpc>
-              <a:spcAft>
-                <a:spcPts val="0"/>
-              </a:spcAft>
-            </a:pPr>
-            <a:r>
-              <a:rPr lang="en-US" sz="2800" b="1" noProof="1">
-                <a:solidFill>
-                  <a:srgbClr val="FBEEDC"/>
-                </a:solidFill>
-                <a:effectLst>
-                  <a:outerShdw blurRad="38100" dist="38100" dir="2700000" algn="tl">
-                    <a:srgbClr val="000000">
-                      <a:alpha val="43137"/>
-                    </a:srgbClr>
-                  </a:outerShdw>
-                </a:effectLst>
-                <a:latin typeface="Consolas" panose="020B0609020204030204" pitchFamily="49" charset="0"/>
-                <a:cs typeface="Arial" panose="020B0604020202020204" pitchFamily="34" charset="0"/>
-              </a:rPr>
-              <a:t>string[] words = sentence.Split(</a:t>
-            </a:r>
-            <a:r>
-              <a:rPr lang="en-US" sz="2800" b="1" noProof="1">
-                <a:solidFill>
-                  <a:schemeClr val="tx2">
-                    <a:lumMod val="75000"/>
-                  </a:schemeClr>
-                </a:solidFill>
-                <a:effectLst>
-                  <a:outerShdw blurRad="38100" dist="38100" dir="2700000" algn="tl">
-                    <a:srgbClr val="000000">
-                      <a:alpha val="43137"/>
-                    </a:srgbClr>
-                  </a:outerShdw>
-                </a:effectLst>
-                <a:latin typeface="Consolas" panose="020B0609020204030204" pitchFamily="49" charset="0"/>
-                <a:cs typeface="Arial" panose="020B0604020202020204" pitchFamily="34" charset="0"/>
-              </a:rPr>
-              <a:t>separators</a:t>
-            </a:r>
-            <a:r>
-              <a:rPr lang="en-US" sz="2800" b="1" noProof="1">
-                <a:solidFill>
-                  <a:srgbClr val="FBEEDC"/>
-                </a:solidFill>
-                <a:effectLst>
-                  <a:outerShdw blurRad="38100" dist="38100" dir="2700000" algn="tl">
-                    <a:srgbClr val="000000">
-                      <a:alpha val="43137"/>
-                    </a:srgbClr>
-                  </a:outerShdw>
-                </a:effectLst>
-                <a:latin typeface="Consolas" panose="020B0609020204030204" pitchFamily="49" charset="0"/>
-                <a:cs typeface="Arial" panose="020B0604020202020204" pitchFamily="34" charset="0"/>
-              </a:rPr>
-              <a:t>);</a:t>
-            </a:r>
-          </a:p>
-          <a:p>
-            <a:pPr>
-              <a:lnSpc>
-                <a:spcPct val="115000"/>
-              </a:lnSpc>
-              <a:spcAft>
-                <a:spcPts val="0"/>
-              </a:spcAft>
-            </a:pPr>
-            <a:r>
-              <a:rPr lang="en-US" sz="2800" b="1" noProof="1">
-                <a:solidFill>
-                  <a:srgbClr val="FBEEDC"/>
-                </a:solidFill>
-                <a:effectLst>
-                  <a:outerShdw blurRad="38100" dist="38100" dir="2700000" algn="tl">
-                    <a:srgbClr val="000000">
-                      <a:alpha val="43137"/>
-                    </a:srgbClr>
-                  </a:outerShdw>
-                </a:effectLst>
-                <a:latin typeface="Consolas" panose="020B0609020204030204" pitchFamily="49" charset="0"/>
-                <a:cs typeface="Arial" panose="020B0604020202020204" pitchFamily="34" charset="0"/>
-              </a:rPr>
-              <a:t>var result = words</a:t>
-            </a:r>
-          </a:p>
-          <a:p>
-            <a:pPr>
-              <a:lnSpc>
-                <a:spcPct val="115000"/>
-              </a:lnSpc>
-              <a:spcAft>
-                <a:spcPts val="0"/>
-              </a:spcAft>
-            </a:pPr>
-            <a:r>
-              <a:rPr lang="en-US" sz="2800" b="1" noProof="1">
-                <a:solidFill>
-                  <a:srgbClr val="FBEEDC"/>
-                </a:solidFill>
-                <a:effectLst>
-                  <a:outerShdw blurRad="38100" dist="38100" dir="2700000" algn="tl">
-                    <a:srgbClr val="000000">
-                      <a:alpha val="43137"/>
-                    </a:srgbClr>
-                  </a:outerShdw>
-                </a:effectLst>
-                <a:latin typeface="Consolas" panose="020B0609020204030204" pitchFamily="49" charset="0"/>
-                <a:cs typeface="Arial" panose="020B0604020202020204" pitchFamily="34" charset="0"/>
-              </a:rPr>
-              <a:t>  .</a:t>
-            </a:r>
-            <a:r>
-              <a:rPr lang="en-US" sz="2800" b="1" noProof="1">
-                <a:solidFill>
-                  <a:schemeClr val="tx2">
-                    <a:lumMod val="75000"/>
-                  </a:schemeClr>
-                </a:solidFill>
-                <a:effectLst>
-                  <a:outerShdw blurRad="38100" dist="38100" dir="2700000" algn="tl">
-                    <a:srgbClr val="000000">
-                      <a:alpha val="43137"/>
-                    </a:srgbClr>
-                  </a:outerShdw>
-                </a:effectLst>
-                <a:latin typeface="Consolas" panose="020B0609020204030204" pitchFamily="49" charset="0"/>
-                <a:cs typeface="Arial" panose="020B0604020202020204" pitchFamily="34" charset="0"/>
-              </a:rPr>
-              <a:t>Where</a:t>
-            </a:r>
-            <a:r>
-              <a:rPr lang="en-US" sz="2800" b="1" noProof="1">
-                <a:solidFill>
-                  <a:srgbClr val="FBEEDC"/>
-                </a:solidFill>
-                <a:effectLst>
-                  <a:outerShdw blurRad="38100" dist="38100" dir="2700000" algn="tl">
-                    <a:srgbClr val="000000">
-                      <a:alpha val="43137"/>
-                    </a:srgbClr>
-                  </a:outerShdw>
-                </a:effectLst>
-                <a:latin typeface="Consolas" panose="020B0609020204030204" pitchFamily="49" charset="0"/>
-                <a:cs typeface="Arial" panose="020B0604020202020204" pitchFamily="34" charset="0"/>
-              </a:rPr>
-              <a:t>(</a:t>
-            </a:r>
-            <a:r>
-              <a:rPr lang="en-US" sz="2800" b="1" noProof="1">
-                <a:solidFill>
-                  <a:schemeClr val="tx2">
-                    <a:lumMod val="75000"/>
-                  </a:schemeClr>
-                </a:solidFill>
-                <a:effectLst>
-                  <a:outerShdw blurRad="38100" dist="38100" dir="2700000" algn="tl">
-                    <a:srgbClr val="000000">
-                      <a:alpha val="43137"/>
-                    </a:srgbClr>
-                  </a:outerShdw>
-                </a:effectLst>
-                <a:latin typeface="Consolas" panose="020B0609020204030204" pitchFamily="49" charset="0"/>
-                <a:cs typeface="Arial" panose="020B0604020202020204" pitchFamily="34" charset="0"/>
-              </a:rPr>
-              <a:t>w =&gt; w != ""</a:t>
-            </a:r>
-            <a:r>
-              <a:rPr lang="en-US" sz="2800" b="1" noProof="1">
-                <a:solidFill>
-                  <a:srgbClr val="FBEEDC"/>
-                </a:solidFill>
-                <a:effectLst>
-                  <a:outerShdw blurRad="38100" dist="38100" dir="2700000" algn="tl">
-                    <a:srgbClr val="000000">
-                      <a:alpha val="43137"/>
-                    </a:srgbClr>
-                  </a:outerShdw>
-                </a:effectLst>
-                <a:latin typeface="Consolas" panose="020B0609020204030204" pitchFamily="49" charset="0"/>
-                <a:cs typeface="Arial" panose="020B0604020202020204" pitchFamily="34" charset="0"/>
-              </a:rPr>
-              <a:t>)</a:t>
-            </a:r>
-          </a:p>
-          <a:p>
-            <a:pPr>
-              <a:lnSpc>
-                <a:spcPct val="115000"/>
-              </a:lnSpc>
-              <a:spcAft>
-                <a:spcPts val="0"/>
-              </a:spcAft>
-            </a:pPr>
-            <a:r>
-              <a:rPr lang="en-US" sz="2800" b="1" noProof="1">
-                <a:solidFill>
-                  <a:srgbClr val="FBEEDC"/>
-                </a:solidFill>
-                <a:effectLst>
-                  <a:outerShdw blurRad="38100" dist="38100" dir="2700000" algn="tl">
-                    <a:srgbClr val="000000">
-                      <a:alpha val="43137"/>
-                    </a:srgbClr>
-                  </a:outerShdw>
-                </a:effectLst>
-                <a:latin typeface="Consolas" panose="020B0609020204030204" pitchFamily="49" charset="0"/>
-                <a:cs typeface="Arial" panose="020B0604020202020204" pitchFamily="34" charset="0"/>
-              </a:rPr>
-              <a:t>  </a:t>
-            </a:r>
-            <a:r>
-              <a:rPr lang="en-US" sz="2800" b="1" noProof="1">
-                <a:solidFill>
-                  <a:schemeClr val="tx2">
-                    <a:lumMod val="75000"/>
-                  </a:schemeClr>
-                </a:solidFill>
-                <a:effectLst>
-                  <a:outerShdw blurRad="38100" dist="38100" dir="2700000" algn="tl">
-                    <a:srgbClr val="000000">
-                      <a:alpha val="43137"/>
-                    </a:srgbClr>
-                  </a:outerShdw>
-                </a:effectLst>
-                <a:latin typeface="Consolas" panose="020B0609020204030204" pitchFamily="49" charset="0"/>
-                <a:cs typeface="Arial" panose="020B0604020202020204" pitchFamily="34" charset="0"/>
-              </a:rPr>
-              <a:t>// TODO: </a:t>
-            </a:r>
-            <a:r>
-              <a:rPr lang="en-US" sz="2800" b="1" i="1" noProof="1">
-                <a:solidFill>
-                  <a:schemeClr val="tx2">
-                    <a:lumMod val="75000"/>
-                  </a:schemeClr>
-                </a:solidFill>
-                <a:effectLst>
-                  <a:outerShdw blurRad="38100" dist="38100" dir="2700000" algn="tl">
-                    <a:srgbClr val="000000">
-                      <a:alpha val="43137"/>
-                    </a:srgbClr>
-                  </a:outerShdw>
-                </a:effectLst>
-                <a:latin typeface="Consolas" panose="020B0609020204030204" pitchFamily="49" charset="0"/>
-                <a:cs typeface="Arial" panose="020B0604020202020204" pitchFamily="34" charset="0"/>
-              </a:rPr>
-              <a:t>filter by word length &lt; 5</a:t>
-            </a:r>
-          </a:p>
-          <a:p>
-            <a:pPr>
-              <a:lnSpc>
-                <a:spcPct val="115000"/>
-              </a:lnSpc>
-              <a:spcAft>
-                <a:spcPts val="0"/>
-              </a:spcAft>
-            </a:pPr>
-            <a:r>
-              <a:rPr lang="en-US" sz="2800" b="1" noProof="1">
-                <a:solidFill>
-                  <a:srgbClr val="FBEEDC"/>
-                </a:solidFill>
-                <a:effectLst>
-                  <a:outerShdw blurRad="38100" dist="38100" dir="2700000" algn="tl">
-                    <a:srgbClr val="000000">
-                      <a:alpha val="43137"/>
-                    </a:srgbClr>
-                  </a:outerShdw>
-                </a:effectLst>
-                <a:latin typeface="Consolas" panose="020B0609020204030204" pitchFamily="49" charset="0"/>
-                <a:cs typeface="Arial" panose="020B0604020202020204" pitchFamily="34" charset="0"/>
-              </a:rPr>
-              <a:t>  .</a:t>
-            </a:r>
-            <a:r>
-              <a:rPr lang="en-US" sz="2800" b="1" noProof="1">
-                <a:solidFill>
-                  <a:schemeClr val="tx2">
-                    <a:lumMod val="75000"/>
-                  </a:schemeClr>
-                </a:solidFill>
-                <a:effectLst>
-                  <a:outerShdw blurRad="38100" dist="38100" dir="2700000" algn="tl">
-                    <a:srgbClr val="000000">
-                      <a:alpha val="43137"/>
-                    </a:srgbClr>
-                  </a:outerShdw>
-                </a:effectLst>
-                <a:latin typeface="Consolas" panose="020B0609020204030204" pitchFamily="49" charset="0"/>
-                <a:cs typeface="Arial" panose="020B0604020202020204" pitchFamily="34" charset="0"/>
-              </a:rPr>
-              <a:t>OrderBy</a:t>
-            </a:r>
-            <a:r>
-              <a:rPr lang="en-US" sz="2800" b="1" noProof="1">
-                <a:solidFill>
-                  <a:srgbClr val="FBEEDC"/>
-                </a:solidFill>
-                <a:effectLst>
-                  <a:outerShdw blurRad="38100" dist="38100" dir="2700000" algn="tl">
-                    <a:srgbClr val="000000">
-                      <a:alpha val="43137"/>
-                    </a:srgbClr>
-                  </a:outerShdw>
-                </a:effectLst>
-                <a:latin typeface="Consolas" panose="020B0609020204030204" pitchFamily="49" charset="0"/>
-                <a:cs typeface="Arial" panose="020B0604020202020204" pitchFamily="34" charset="0"/>
-              </a:rPr>
-              <a:t>(</a:t>
-            </a:r>
-            <a:r>
-              <a:rPr lang="en-US" sz="2800" b="1" noProof="1">
-                <a:solidFill>
-                  <a:schemeClr val="tx2">
-                    <a:lumMod val="75000"/>
-                  </a:schemeClr>
-                </a:solidFill>
-                <a:effectLst>
-                  <a:outerShdw blurRad="38100" dist="38100" dir="2700000" algn="tl">
-                    <a:srgbClr val="000000">
-                      <a:alpha val="43137"/>
-                    </a:srgbClr>
-                  </a:outerShdw>
-                </a:effectLst>
-                <a:latin typeface="Consolas" panose="020B0609020204030204" pitchFamily="49" charset="0"/>
-                <a:cs typeface="Arial" panose="020B0604020202020204" pitchFamily="34" charset="0"/>
-              </a:rPr>
-              <a:t>w =&gt; w</a:t>
-            </a:r>
-            <a:r>
-              <a:rPr lang="en-US" sz="2800" b="1" noProof="1">
-                <a:solidFill>
-                  <a:srgbClr val="FBEEDC"/>
-                </a:solidFill>
-                <a:effectLst>
-                  <a:outerShdw blurRad="38100" dist="38100" dir="2700000" algn="tl">
-                    <a:srgbClr val="000000">
-                      <a:alpha val="43137"/>
-                    </a:srgbClr>
-                  </a:outerShdw>
-                </a:effectLst>
-                <a:latin typeface="Consolas" panose="020B0609020204030204" pitchFamily="49" charset="0"/>
-                <a:cs typeface="Arial" panose="020B0604020202020204" pitchFamily="34" charset="0"/>
-              </a:rPr>
-              <a:t>).</a:t>
-            </a:r>
-            <a:r>
-              <a:rPr lang="en-US" sz="2800" b="1" noProof="1">
-                <a:solidFill>
-                  <a:schemeClr val="tx2">
-                    <a:lumMod val="75000"/>
-                  </a:schemeClr>
-                </a:solidFill>
-                <a:effectLst>
-                  <a:outerShdw blurRad="38100" dist="38100" dir="2700000" algn="tl">
-                    <a:srgbClr val="000000">
-                      <a:alpha val="43137"/>
-                    </a:srgbClr>
-                  </a:outerShdw>
-                </a:effectLst>
-                <a:latin typeface="Consolas" panose="020B0609020204030204" pitchFamily="49" charset="0"/>
-                <a:cs typeface="Arial" panose="020B0604020202020204" pitchFamily="34" charset="0"/>
-              </a:rPr>
-              <a:t>Distinct</a:t>
-            </a:r>
-            <a:r>
-              <a:rPr lang="en-US" sz="2800" b="1" noProof="1">
-                <a:solidFill>
-                  <a:srgbClr val="FBEEDC"/>
-                </a:solidFill>
-                <a:effectLst>
-                  <a:outerShdw blurRad="38100" dist="38100" dir="2700000" algn="tl">
-                    <a:srgbClr val="000000">
-                      <a:alpha val="43137"/>
-                    </a:srgbClr>
-                  </a:outerShdw>
-                </a:effectLst>
-                <a:latin typeface="Consolas" panose="020B0609020204030204" pitchFamily="49" charset="0"/>
-                <a:cs typeface="Arial" panose="020B0604020202020204" pitchFamily="34" charset="0"/>
-              </a:rPr>
-              <a:t>();</a:t>
-            </a:r>
-          </a:p>
-          <a:p>
-            <a:pPr>
-              <a:lnSpc>
-                <a:spcPct val="115000"/>
-              </a:lnSpc>
-              <a:spcAft>
-                <a:spcPts val="0"/>
-              </a:spcAft>
-            </a:pPr>
-            <a:r>
-              <a:rPr lang="en-US" sz="2800" b="1" noProof="1">
-                <a:solidFill>
-                  <a:srgbClr val="FBEEDC"/>
-                </a:solidFill>
-                <a:effectLst>
-                  <a:outerShdw blurRad="38100" dist="38100" dir="2700000" algn="tl">
-                    <a:srgbClr val="000000">
-                      <a:alpha val="43137"/>
-                    </a:srgbClr>
-                  </a:outerShdw>
-                </a:effectLst>
-                <a:latin typeface="Consolas" panose="020B0609020204030204" pitchFamily="49" charset="0"/>
-                <a:cs typeface="Arial" panose="020B0604020202020204" pitchFamily="34" charset="0"/>
-              </a:rPr>
-              <a:t>Console.WriteLine(string.Join(", ", result));</a:t>
-            </a:r>
-            <a:endParaRPr lang="it-IT" sz="2800" b="1" noProof="1">
-              <a:solidFill>
-                <a:srgbClr val="FBEEDC"/>
-              </a:solidFill>
-              <a:effectLst>
-                <a:outerShdw blurRad="38100" dist="38100" dir="2700000" algn="tl">
-                  <a:srgbClr val="000000">
-                    <a:alpha val="43137"/>
-                  </a:srgbClr>
-                </a:outerShdw>
-              </a:effectLst>
-              <a:latin typeface="Consolas" pitchFamily="49" charset="0"/>
-              <a:cs typeface="Consolas" pitchFamily="49" charset="0"/>
-            </a:endParaRPr>
-          </a:p>
-        </p:txBody>
-      </p:sp>
-      <p:sp>
-        <p:nvSpPr>
-          <p:cNvPr id="6" name="TextBox 5"/>
-          <p:cNvSpPr txBox="1"/>
-          <p:nvPr/>
-        </p:nvSpPr>
-        <p:spPr>
-          <a:xfrm>
-            <a:off x="816005" y="6214907"/>
-            <a:ext cx="10556816" cy="461665"/>
-          </a:xfrm>
-          <a:prstGeom prst="rect">
-            <a:avLst/>
-          </a:prstGeom>
-          <a:noFill/>
-        </p:spPr>
-        <p:txBody>
-          <a:bodyPr wrap="square" rtlCol="0">
-            <a:spAutoFit/>
-          </a:bodyPr>
-          <a:lstStyle/>
-          <a:p>
-            <a:pPr algn="ctr"/>
-            <a:r>
-              <a:rPr lang="en-US" dirty="0"/>
-              <a:t>Check your solution here: </a:t>
-            </a:r>
-            <a:r>
-              <a:rPr lang="en-US" dirty="0">
-                <a:hlinkClick r:id="rId2"/>
-              </a:rPr>
-              <a:t>https://judge.softuni.bg/Contests/Practice/Index/174#4</a:t>
-            </a:r>
-            <a:endParaRPr lang="en-US" dirty="0"/>
-          </a:p>
-        </p:txBody>
-      </p:sp>
-    </p:spTree>
-    <p:extLst>
-      <p:ext uri="{BB962C8B-B14F-4D97-AF65-F5344CB8AC3E}">
-        <p14:creationId xmlns:p14="http://schemas.microsoft.com/office/powerpoint/2010/main" val="578510430"/>
-      </p:ext>
-    </p:extLst>
-  </p:cSld>
-  <p:clrMapOvr>
-    <a:masterClrMapping/>
-  </p:clrMapOvr>
-</p:sld>
-</file>
-
-<file path=ppt/slides/slide35.xml><?xml version="1.0" encoding="utf-8"?>
-<p:sld xmlns:a="http://schemas.openxmlformats.org/drawingml/2006/main" xmlns:r="http://schemas.openxmlformats.org/officeDocument/2006/relationships" xmlns:p="http://schemas.openxmlformats.org/presentationml/2006/main">
-  <p:cSld>
-    <p:spTree>
-      <p:nvGrpSpPr>
-        <p:cNvPr id="1" name=""/>
-        <p:cNvGrpSpPr/>
-        <p:nvPr/>
-      </p:nvGrpSpPr>
-      <p:grpSpPr>
-        <a:xfrm>
-          <a:off x="0" y="0"/>
-          <a:ext cx="0" cy="0"/>
-          <a:chOff x="0" y="0"/>
-          <a:chExt cx="0" cy="0"/>
-        </a:xfrm>
-      </p:grpSpPr>
-      <p:sp>
-        <p:nvSpPr>
-          <p:cNvPr id="2" name="Slide Number Placeholder 1"/>
-          <p:cNvSpPr>
-            <a:spLocks noGrp="1"/>
-          </p:cNvSpPr>
-          <p:nvPr>
-            <p:ph type="sldNum" sz="quarter" idx="4"/>
-          </p:nvPr>
-        </p:nvSpPr>
-        <p:spPr/>
-        <p:txBody>
-          <a:bodyPr/>
-          <a:lstStyle/>
-          <a:p>
-            <a:fld id="{C014DD1E-5D91-48A3-AD6D-45FBA980D106}" type="slidenum">
-              <a:rPr lang="en-US" smtClean="0"/>
-              <a:pPr/>
-              <a:t>35</a:t>
             </a:fld>
             <a:endParaRPr lang="en-US" dirty="0"/>
           </a:p>
@@ -33661,7 +33247,7 @@
 </p:sld>
 </file>
 
-<file path=ppt/slides/slide36.xml><?xml version="1.0" encoding="utf-8"?>
+<file path=ppt/slides/slide35.xml><?xml version="1.0" encoding="utf-8"?>
 <p:sld xmlns:a="http://schemas.openxmlformats.org/drawingml/2006/main" xmlns:r="http://schemas.openxmlformats.org/officeDocument/2006/relationships" xmlns:p="http://schemas.openxmlformats.org/presentationml/2006/main">
   <p:cSld>
     <p:spTree>
@@ -33696,7 +33282,7 @@
             <a:fld id="{C014DD1E-5D91-48A3-AD6D-45FBA980D106}" type="slidenum">
               <a:rPr lang="en-US" smtClean="0"/>
               <a:pPr/>
-              <a:t>36</a:t>
+              <a:t>35</a:t>
             </a:fld>
             <a:endParaRPr lang="en-US" dirty="0"/>
           </a:p>
@@ -34123,7 +33709,7 @@
 </p:sld>
 </file>
 
-<file path=ppt/slides/slide37.xml><?xml version="1.0" encoding="utf-8"?>
+<file path=ppt/slides/slide36.xml><?xml version="1.0" encoding="utf-8"?>
 <p:sld xmlns:a="http://schemas.openxmlformats.org/drawingml/2006/main" xmlns:r="http://schemas.openxmlformats.org/officeDocument/2006/relationships" xmlns:p="http://schemas.openxmlformats.org/presentationml/2006/main">
   <p:cSld>
     <p:spTree>
@@ -34158,7 +33744,7 @@
             <a:fld id="{C014DD1E-5D91-48A3-AD6D-45FBA980D106}" type="slidenum">
               <a:rPr lang="en-US" smtClean="0"/>
               <a:pPr/>
-              <a:t>37</a:t>
+              <a:t>36</a:t>
             </a:fld>
             <a:endParaRPr lang="en-US" dirty="0"/>
           </a:p>
@@ -35900,7 +35486,7 @@
 </p:sld>
 </file>
 
-<file path=ppt/slides/slide38.xml><?xml version="1.0" encoding="utf-8"?>
+<file path=ppt/slides/slide37.xml><?xml version="1.0" encoding="utf-8"?>
 <p:sld xmlns:a="http://schemas.openxmlformats.org/drawingml/2006/main" xmlns:r="http://schemas.openxmlformats.org/officeDocument/2006/relationships" xmlns:p="http://schemas.openxmlformats.org/presentationml/2006/main">
   <p:cSld>
     <p:spTree>
@@ -35935,7 +35521,7 @@
             <a:fld id="{C014DD1E-5D91-48A3-AD6D-45FBA980D106}" type="slidenum">
               <a:rPr lang="en-US" smtClean="0"/>
               <a:pPr/>
-              <a:t>38</a:t>
+              <a:t>37</a:t>
             </a:fld>
             <a:endParaRPr lang="en-US" dirty="0"/>
           </a:p>
@@ -36744,7 +36330,7 @@
 </p:sld>
 </file>
 
-<file path=ppt/slides/slide39.xml><?xml version="1.0" encoding="utf-8"?>
+<file path=ppt/slides/slide38.xml><?xml version="1.0" encoding="utf-8"?>
 <p:sld xmlns:a="http://schemas.openxmlformats.org/drawingml/2006/main" xmlns:r="http://schemas.openxmlformats.org/officeDocument/2006/relationships" xmlns:p="http://schemas.openxmlformats.org/presentationml/2006/main">
   <p:cSld>
     <p:spTree>
@@ -36779,7 +36365,7 @@
             <a:fld id="{C014DD1E-5D91-48A3-AD6D-45FBA980D106}" type="slidenum">
               <a:rPr lang="en-US" smtClean="0"/>
               <a:pPr/>
-              <a:t>39</a:t>
+              <a:t>38</a:t>
             </a:fld>
             <a:endParaRPr lang="en-US" dirty="0"/>
           </a:p>
